--- a/asset/Learn/ITA-collect-compare_en.pptx
+++ b/asset/Learn/ITA-collect-compare_en.pptx
@@ -6,10 +6,10 @@
     <p:sldMasterId id="2147483703" r:id="rId2"/>
   </p:sldMasterIdLst>
   <p:notesMasterIdLst>
-    <p:notesMasterId r:id="rId24"/>
+    <p:notesMasterId r:id="rId25"/>
   </p:notesMasterIdLst>
   <p:handoutMasterIdLst>
-    <p:handoutMasterId r:id="rId25"/>
+    <p:handoutMasterId r:id="rId26"/>
   </p:handoutMasterIdLst>
   <p:sldIdLst>
     <p:sldId id="262" r:id="rId3"/>
@@ -30,9 +30,10 @@
     <p:sldId id="602" r:id="rId18"/>
     <p:sldId id="603" r:id="rId19"/>
     <p:sldId id="604" r:id="rId20"/>
-    <p:sldId id="587" r:id="rId21"/>
-    <p:sldId id="596" r:id="rId22"/>
-    <p:sldId id="588" r:id="rId23"/>
+    <p:sldId id="605" r:id="rId21"/>
+    <p:sldId id="587" r:id="rId22"/>
+    <p:sldId id="596" r:id="rId23"/>
+    <p:sldId id="588" r:id="rId24"/>
   </p:sldIdLst>
   <p:sldSz cx="9144000" cy="6858000" type="screen4x3"/>
   <p:notesSz cx="6807200" cy="9939338"/>
@@ -167,6 +168,7 @@
             <p14:sldId id="602"/>
             <p14:sldId id="603"/>
             <p14:sldId id="604"/>
+            <p14:sldId id="605"/>
           </p14:sldIdLst>
         </p14:section>
         <p14:section name="4.　収集機能・比較機能の活用" id="{90ACA6EE-2460-4B2B-89B7-9CF0264B1CF2}">
@@ -326,7 +328,7 @@
               <a:rPr kumimoji="1" lang="ja-JP" altLang="en-US" smtClean="0">
                 <a:ea typeface="メイリオ" panose="020B0604030504040204" pitchFamily="50" charset="-128"/>
               </a:rPr>
-              <a:t>2022/1/28</a:t>
+              <a:t>2022/6/29</a:t>
             </a:fld>
             <a:endParaRPr kumimoji="1" lang="ja-JP" altLang="en-US" dirty="0">
               <a:ea typeface="メイリオ" panose="020B0604030504040204" pitchFamily="50" charset="-128"/>
@@ -472,7 +474,7 @@
             <a:fld id="{4B26993D-C081-44EB-B0F5-A9F467792B62}" type="datetimeFigureOut">
               <a:rPr lang="ja-JP" altLang="en-US" smtClean="0"/>
               <a:pPr/>
-              <a:t>2022/1/28</a:t>
+              <a:t>2022/6/29</a:t>
             </a:fld>
             <a:endParaRPr lang="ja-JP" altLang="en-US" dirty="0"/>
           </a:p>
@@ -1095,7 +1097,7 @@
           <a:p>
             <a:fld id="{56F9016B-CCA6-43BE-8BEE-59565A35F4F7}" type="datetimeFigureOut">
               <a:rPr kumimoji="1" lang="ja-JP" altLang="en-US" smtClean="0"/>
-              <a:t>2022/1/28</a:t>
+              <a:t>2022/6/29</a:t>
             </a:fld>
             <a:endParaRPr kumimoji="1" lang="ja-JP" altLang="en-US"/>
           </a:p>
@@ -1297,7 +1299,7 @@
           <a:p>
             <a:fld id="{56F9016B-CCA6-43BE-8BEE-59565A35F4F7}" type="datetimeFigureOut">
               <a:rPr kumimoji="1" lang="ja-JP" altLang="en-US" smtClean="0"/>
-              <a:t>2022/1/28</a:t>
+              <a:t>2022/6/29</a:t>
             </a:fld>
             <a:endParaRPr kumimoji="1" lang="ja-JP" altLang="en-US"/>
           </a:p>
@@ -1543,7 +1545,7 @@
           <a:p>
             <a:fld id="{56F9016B-CCA6-43BE-8BEE-59565A35F4F7}" type="datetimeFigureOut">
               <a:rPr kumimoji="1" lang="ja-JP" altLang="en-US" smtClean="0"/>
-              <a:t>2022/1/28</a:t>
+              <a:t>2022/6/29</a:t>
             </a:fld>
             <a:endParaRPr kumimoji="1" lang="ja-JP" altLang="en-US"/>
           </a:p>
@@ -1839,7 +1841,7 @@
           <a:p>
             <a:fld id="{56F9016B-CCA6-43BE-8BEE-59565A35F4F7}" type="datetimeFigureOut">
               <a:rPr kumimoji="1" lang="ja-JP" altLang="en-US" smtClean="0"/>
-              <a:t>2022/1/28</a:t>
+              <a:t>2022/6/29</a:t>
             </a:fld>
             <a:endParaRPr kumimoji="1" lang="ja-JP" altLang="en-US"/>
           </a:p>
@@ -2270,7 +2272,7 @@
           <a:p>
             <a:fld id="{56F9016B-CCA6-43BE-8BEE-59565A35F4F7}" type="datetimeFigureOut">
               <a:rPr kumimoji="1" lang="ja-JP" altLang="en-US" smtClean="0"/>
-              <a:t>2022/1/28</a:t>
+              <a:t>2022/6/29</a:t>
             </a:fld>
             <a:endParaRPr kumimoji="1" lang="ja-JP" altLang="en-US"/>
           </a:p>
@@ -2388,7 +2390,7 @@
           <a:p>
             <a:fld id="{56F9016B-CCA6-43BE-8BEE-59565A35F4F7}" type="datetimeFigureOut">
               <a:rPr kumimoji="1" lang="ja-JP" altLang="en-US" smtClean="0"/>
-              <a:t>2022/1/28</a:t>
+              <a:t>2022/6/29</a:t>
             </a:fld>
             <a:endParaRPr kumimoji="1" lang="ja-JP" altLang="en-US"/>
           </a:p>
@@ -2483,7 +2485,7 @@
           <a:p>
             <a:fld id="{56F9016B-CCA6-43BE-8BEE-59565A35F4F7}" type="datetimeFigureOut">
               <a:rPr kumimoji="1" lang="ja-JP" altLang="en-US" smtClean="0"/>
-              <a:t>2022/1/28</a:t>
+              <a:t>2022/6/29</a:t>
             </a:fld>
             <a:endParaRPr kumimoji="1" lang="ja-JP" altLang="en-US"/>
           </a:p>
@@ -2792,7 +2794,7 @@
           <a:p>
             <a:fld id="{56F9016B-CCA6-43BE-8BEE-59565A35F4F7}" type="datetimeFigureOut">
               <a:rPr kumimoji="1" lang="ja-JP" altLang="en-US" smtClean="0"/>
-              <a:t>2022/1/28</a:t>
+              <a:t>2022/6/29</a:t>
             </a:fld>
             <a:endParaRPr kumimoji="1" lang="ja-JP" altLang="en-US"/>
           </a:p>
@@ -3045,7 +3047,7 @@
           <a:p>
             <a:fld id="{56F9016B-CCA6-43BE-8BEE-59565A35F4F7}" type="datetimeFigureOut">
               <a:rPr kumimoji="1" lang="ja-JP" altLang="en-US" smtClean="0"/>
-              <a:t>2022/1/28</a:t>
+              <a:t>2022/6/29</a:t>
             </a:fld>
             <a:endParaRPr kumimoji="1" lang="ja-JP" altLang="en-US"/>
           </a:p>
@@ -3322,7 +3324,7 @@
           <a:p>
             <a:fld id="{56F9016B-CCA6-43BE-8BEE-59565A35F4F7}" type="datetimeFigureOut">
               <a:rPr kumimoji="1" lang="ja-JP" altLang="en-US" smtClean="0"/>
-              <a:t>2022/1/28</a:t>
+              <a:t>2022/6/29</a:t>
             </a:fld>
             <a:endParaRPr kumimoji="1" lang="ja-JP" altLang="en-US"/>
           </a:p>
@@ -3534,7 +3536,7 @@
           <a:p>
             <a:fld id="{56F9016B-CCA6-43BE-8BEE-59565A35F4F7}" type="datetimeFigureOut">
               <a:rPr kumimoji="1" lang="ja-JP" altLang="en-US" smtClean="0"/>
-              <a:t>2022/1/28</a:t>
+              <a:t>2022/6/29</a:t>
             </a:fld>
             <a:endParaRPr kumimoji="1" lang="ja-JP" altLang="en-US"/>
           </a:p>
@@ -6593,7 +6595,7 @@
           <a:p>
             <a:fld id="{56F9016B-CCA6-43BE-8BEE-59565A35F4F7}" type="datetimeFigureOut">
               <a:rPr kumimoji="1" lang="ja-JP" altLang="en-US" smtClean="0"/>
-              <a:t>2022/1/28</a:t>
+              <a:t>2022/6/29</a:t>
             </a:fld>
             <a:endParaRPr kumimoji="1" lang="ja-JP" altLang="en-US"/>
           </a:p>
@@ -7037,8 +7039,8 @@
               <a:t>1.</a:t>
             </a:r>
             <a:r>
-              <a:rPr lang="en-US" dirty="0"/>
-              <a:t>9</a:t>
+              <a:rPr lang="en-US" dirty="0" smtClean="0"/>
+              <a:t>10</a:t>
             </a:r>
             <a:endParaRPr dirty="0"/>
           </a:p>
@@ -24178,7 +24180,7 @@
           <p:nvPr>
             <p:extLst>
               <p:ext uri="{D42A27DB-BD31-4B8C-83A1-F6EECF244321}">
-                <p14:modId xmlns:p14="http://schemas.microsoft.com/office/powerpoint/2010/main" val="1480004294"/>
+                <p14:modId xmlns:p14="http://schemas.microsoft.com/office/powerpoint/2010/main" val="2817209712"/>
               </p:ext>
             </p:extLst>
           </p:nvPr>
@@ -24406,7 +24408,7 @@
                           <a:latin typeface="游ゴシック" panose="020B0400000000000000" pitchFamily="50" charset="-128"/>
                           <a:ea typeface="游ゴシック" panose="020B0400000000000000" pitchFamily="50" charset="-128"/>
                         </a:rPr>
-                        <a:t>/File</a:t>
+                        <a:t>/Item1</a:t>
                       </a:r>
                       <a:endParaRPr kumimoji="1" lang="ja-JP" altLang="en-US" sz="1200" b="1" dirty="0">
                         <a:solidFill>
@@ -24494,7 +24496,7 @@
                           <a:latin typeface="游ゴシック" panose="020B0400000000000000" pitchFamily="50" charset="-128"/>
                           <a:ea typeface="游ゴシック" panose="020B0400000000000000" pitchFamily="50" charset="-128"/>
                         </a:rPr>
-                        <a:t>/File</a:t>
+                        <a:t>/Item2</a:t>
                       </a:r>
                       <a:endParaRPr kumimoji="1" lang="ja-JP" altLang="en-US" sz="1200" b="1" dirty="0">
                         <a:solidFill>
@@ -24582,7 +24584,7 @@
                           <a:latin typeface="游ゴシック" panose="020B0400000000000000" pitchFamily="50" charset="-128"/>
                           <a:ea typeface="游ゴシック" panose="020B0400000000000000" pitchFamily="50" charset="-128"/>
                         </a:rPr>
-                        <a:t>/File</a:t>
+                        <a:t>/Item3</a:t>
                       </a:r>
                       <a:endParaRPr kumimoji="1" lang="ja-JP" altLang="en-US" sz="1200" b="1" dirty="0">
                         <a:solidFill>
@@ -24887,27 +24889,7 @@
                           <a:latin typeface="游ゴシック" panose="020B0400000000000000" pitchFamily="50" charset="-128"/>
                           <a:ea typeface="游ゴシック" panose="020B0400000000000000" pitchFamily="50" charset="-128"/>
                         </a:rPr>
-                        <a:t>Item</a:t>
-                      </a:r>
-                      <a:r>
-                        <a:rPr kumimoji="1" lang="en-US" altLang="ja-JP" sz="1200" b="1" baseline="0" dirty="0" smtClean="0">
-                          <a:solidFill>
-                            <a:srgbClr val="002060"/>
-                          </a:solidFill>
-                          <a:latin typeface="游ゴシック" panose="020B0400000000000000" pitchFamily="50" charset="-128"/>
-                          <a:ea typeface="游ゴシック" panose="020B0400000000000000" pitchFamily="50" charset="-128"/>
-                        </a:rPr>
-                        <a:t> </a:t>
-                      </a:r>
-                      <a:r>
-                        <a:rPr kumimoji="1" lang="en-US" altLang="ja-JP" sz="1200" b="1" dirty="0" smtClean="0">
-                          <a:solidFill>
-                            <a:srgbClr val="002060"/>
-                          </a:solidFill>
-                          <a:latin typeface="游ゴシック" panose="020B0400000000000000" pitchFamily="50" charset="-128"/>
-                          <a:ea typeface="游ゴシック" panose="020B0400000000000000" pitchFamily="50" charset="-128"/>
-                        </a:rPr>
-                        <a:t>1</a:t>
+                        <a:t>AAA</a:t>
                       </a:r>
                       <a:endParaRPr kumimoji="1" lang="ja-JP" altLang="en-US" sz="1200" b="1" dirty="0">
                         <a:solidFill>
@@ -25055,27 +25037,7 @@
                           <a:latin typeface="游ゴシック" panose="020B0400000000000000" pitchFamily="50" charset="-128"/>
                           <a:ea typeface="游ゴシック" panose="020B0400000000000000" pitchFamily="50" charset="-128"/>
                         </a:rPr>
-                        <a:t>Item</a:t>
-                      </a:r>
-                      <a:r>
-                        <a:rPr kumimoji="1" lang="en-US" altLang="ja-JP" sz="1200" b="1" baseline="0" dirty="0" smtClean="0">
-                          <a:solidFill>
-                            <a:srgbClr val="002060"/>
-                          </a:solidFill>
-                          <a:latin typeface="游ゴシック" panose="020B0400000000000000" pitchFamily="50" charset="-128"/>
-                          <a:ea typeface="游ゴシック" panose="020B0400000000000000" pitchFamily="50" charset="-128"/>
-                        </a:rPr>
-                        <a:t> </a:t>
-                      </a:r>
-                      <a:r>
-                        <a:rPr kumimoji="1" lang="en-US" altLang="ja-JP" sz="1200" b="1" dirty="0" smtClean="0">
-                          <a:solidFill>
-                            <a:srgbClr val="002060"/>
-                          </a:solidFill>
-                          <a:latin typeface="游ゴシック" panose="020B0400000000000000" pitchFamily="50" charset="-128"/>
-                          <a:ea typeface="游ゴシック" panose="020B0400000000000000" pitchFamily="50" charset="-128"/>
-                        </a:rPr>
-                        <a:t>2</a:t>
+                        <a:t>BBB</a:t>
                       </a:r>
                       <a:endParaRPr kumimoji="1" lang="ja-JP" altLang="en-US" sz="1200" b="1" dirty="0">
                         <a:solidFill>
@@ -25223,27 +25185,7 @@
                           <a:latin typeface="游ゴシック" panose="020B0400000000000000" pitchFamily="50" charset="-128"/>
                           <a:ea typeface="游ゴシック" panose="020B0400000000000000" pitchFamily="50" charset="-128"/>
                         </a:rPr>
-                        <a:t>Item</a:t>
-                      </a:r>
-                      <a:r>
-                        <a:rPr kumimoji="1" lang="en-US" altLang="ja-JP" sz="1200" b="1" baseline="0" dirty="0" smtClean="0">
-                          <a:solidFill>
-                            <a:srgbClr val="C00000"/>
-                          </a:solidFill>
-                          <a:latin typeface="游ゴシック" panose="020B0400000000000000" pitchFamily="50" charset="-128"/>
-                          <a:ea typeface="游ゴシック" panose="020B0400000000000000" pitchFamily="50" charset="-128"/>
-                        </a:rPr>
-                        <a:t> </a:t>
-                      </a:r>
-                      <a:r>
-                        <a:rPr kumimoji="1" lang="en-US" altLang="ja-JP" sz="1200" b="1" dirty="0" smtClean="0">
-                          <a:solidFill>
-                            <a:srgbClr val="C00000"/>
-                          </a:solidFill>
-                          <a:latin typeface="游ゴシック" panose="020B0400000000000000" pitchFamily="50" charset="-128"/>
-                          <a:ea typeface="游ゴシック" panose="020B0400000000000000" pitchFamily="50" charset="-128"/>
-                        </a:rPr>
-                        <a:t>3</a:t>
+                        <a:t>CCC</a:t>
                       </a:r>
                       <a:endParaRPr kumimoji="1" lang="ja-JP" altLang="en-US" sz="1200" b="1" dirty="0">
                         <a:solidFill>
@@ -25564,27 +25506,7 @@
                           <a:latin typeface="游ゴシック" panose="020B0400000000000000" pitchFamily="50" charset="-128"/>
                           <a:ea typeface="游ゴシック" panose="020B0400000000000000" pitchFamily="50" charset="-128"/>
                         </a:rPr>
-                        <a:t>Item</a:t>
-                      </a:r>
-                      <a:r>
-                        <a:rPr kumimoji="1" lang="en-US" altLang="ja-JP" sz="1200" b="1" baseline="0" dirty="0" smtClean="0">
-                          <a:solidFill>
-                            <a:srgbClr val="002060"/>
-                          </a:solidFill>
-                          <a:latin typeface="游ゴシック" panose="020B0400000000000000" pitchFamily="50" charset="-128"/>
-                          <a:ea typeface="游ゴシック" panose="020B0400000000000000" pitchFamily="50" charset="-128"/>
-                        </a:rPr>
-                        <a:t> </a:t>
-                      </a:r>
-                      <a:r>
-                        <a:rPr kumimoji="1" lang="en-US" altLang="ja-JP" sz="1200" b="1" dirty="0" smtClean="0">
-                          <a:solidFill>
-                            <a:srgbClr val="002060"/>
-                          </a:solidFill>
-                          <a:latin typeface="游ゴシック" panose="020B0400000000000000" pitchFamily="50" charset="-128"/>
-                          <a:ea typeface="游ゴシック" panose="020B0400000000000000" pitchFamily="50" charset="-128"/>
-                        </a:rPr>
-                        <a:t>1</a:t>
+                        <a:t>AAA</a:t>
                       </a:r>
                       <a:endParaRPr kumimoji="1" lang="ja-JP" altLang="en-US" sz="1200" b="1" dirty="0">
                         <a:solidFill>
@@ -25732,27 +25654,7 @@
                           <a:latin typeface="游ゴシック" panose="020B0400000000000000" pitchFamily="50" charset="-128"/>
                           <a:ea typeface="游ゴシック" panose="020B0400000000000000" pitchFamily="50" charset="-128"/>
                         </a:rPr>
-                        <a:t>Item</a:t>
-                      </a:r>
-                      <a:r>
-                        <a:rPr kumimoji="1" lang="en-US" altLang="ja-JP" sz="1200" b="1" baseline="0" dirty="0" smtClean="0">
-                          <a:solidFill>
-                            <a:srgbClr val="002060"/>
-                          </a:solidFill>
-                          <a:latin typeface="游ゴシック" panose="020B0400000000000000" pitchFamily="50" charset="-128"/>
-                          <a:ea typeface="游ゴシック" panose="020B0400000000000000" pitchFamily="50" charset="-128"/>
-                        </a:rPr>
-                        <a:t> </a:t>
-                      </a:r>
-                      <a:r>
-                        <a:rPr kumimoji="1" lang="en-US" altLang="ja-JP" sz="1200" b="1" dirty="0" smtClean="0">
-                          <a:solidFill>
-                            <a:srgbClr val="002060"/>
-                          </a:solidFill>
-                          <a:latin typeface="游ゴシック" panose="020B0400000000000000" pitchFamily="50" charset="-128"/>
-                          <a:ea typeface="游ゴシック" panose="020B0400000000000000" pitchFamily="50" charset="-128"/>
-                        </a:rPr>
-                        <a:t>2</a:t>
+                        <a:t>BBB</a:t>
                       </a:r>
                       <a:endParaRPr kumimoji="1" lang="ja-JP" altLang="en-US" sz="1200" b="1" dirty="0">
                         <a:solidFill>
@@ -25900,27 +25802,7 @@
                           <a:latin typeface="游ゴシック" panose="020B0400000000000000" pitchFamily="50" charset="-128"/>
                           <a:ea typeface="游ゴシック" panose="020B0400000000000000" pitchFamily="50" charset="-128"/>
                         </a:rPr>
-                        <a:t>Item</a:t>
-                      </a:r>
-                      <a:r>
-                        <a:rPr kumimoji="1" lang="en-US" altLang="ja-JP" sz="1200" b="1" baseline="0" dirty="0" smtClean="0">
-                          <a:solidFill>
-                            <a:srgbClr val="C00000"/>
-                          </a:solidFill>
-                          <a:latin typeface="游ゴシック" panose="020B0400000000000000" pitchFamily="50" charset="-128"/>
-                          <a:ea typeface="游ゴシック" panose="020B0400000000000000" pitchFamily="50" charset="-128"/>
-                        </a:rPr>
-                        <a:t> </a:t>
-                      </a:r>
-                      <a:r>
-                        <a:rPr kumimoji="1" lang="en-US" altLang="ja-JP" sz="1200" b="1" dirty="0" smtClean="0">
-                          <a:solidFill>
-                            <a:srgbClr val="C00000"/>
-                          </a:solidFill>
-                          <a:latin typeface="游ゴシック" panose="020B0400000000000000" pitchFamily="50" charset="-128"/>
-                          <a:ea typeface="游ゴシック" panose="020B0400000000000000" pitchFamily="50" charset="-128"/>
-                        </a:rPr>
-                        <a:t>3</a:t>
+                        <a:t>DDD</a:t>
                       </a:r>
                       <a:endParaRPr kumimoji="1" lang="ja-JP" altLang="en-US" sz="1200" b="1" dirty="0">
                         <a:solidFill>
@@ -28358,51 +28240,1718 @@
             <p:ph type="title"/>
           </p:nvPr>
         </p:nvSpPr>
+        <p:spPr/>
+        <p:txBody>
+          <a:bodyPr>
+            <a:normAutofit/>
+          </a:bodyPr>
+          <a:lstStyle/>
+          <a:p>
+            <a:r>
+              <a:rPr lang="en-US" altLang="ja-JP" dirty="0"/>
+              <a:t>3.4</a:t>
+            </a:r>
+            <a:r>
+              <a:rPr lang="ja-JP" altLang="en-US" dirty="0"/>
+              <a:t> </a:t>
+            </a:r>
+            <a:r>
+              <a:rPr lang="en-US" altLang="ja-JP" dirty="0" smtClean="0"/>
+              <a:t>Items for comparing parameter sheets</a:t>
+            </a:r>
+            <a:endParaRPr lang="ja-JP" altLang="en-US" dirty="0"/>
+          </a:p>
+        </p:txBody>
+      </p:sp>
+      <p:sp>
+        <p:nvSpPr>
+          <p:cNvPr id="21" name="コンテンツ プレースホルダー 2"/>
+          <p:cNvSpPr>
+            <a:spLocks noGrp="1"/>
+          </p:cNvSpPr>
+          <p:nvPr>
+            <p:ph sz="quarter" idx="10"/>
+          </p:nvPr>
+        </p:nvSpPr>
         <p:spPr>
           <a:xfrm>
-            <a:off x="179388" y="3106628"/>
-            <a:ext cx="8784000" cy="405683"/>
+            <a:off x="252833" y="836712"/>
+            <a:ext cx="8639767" cy="5688718"/>
           </a:xfrm>
         </p:spPr>
         <p:txBody>
-          <a:bodyPr/>
+          <a:bodyPr>
+            <a:normAutofit/>
+          </a:bodyPr>
           <a:lstStyle/>
           <a:p>
-            <a:r>
-              <a:rPr lang="en-US" altLang="ja-JP" sz="2400" dirty="0"/>
-              <a:t>4.</a:t>
-            </a:r>
-            <a:r>
-              <a:rPr lang="ja-JP" altLang="en-US" sz="2400" dirty="0"/>
-              <a:t>　</a:t>
-            </a:r>
-            <a:r>
-              <a:rPr lang="en-US" altLang="ja-JP" sz="2400" dirty="0" smtClean="0">
-                <a:latin typeface="+mn-ea"/>
+            <a:pPr marL="0" lvl="0" indent="0">
+              <a:buClr>
+                <a:srgbClr val="002B62"/>
+              </a:buClr>
+              <a:buNone/>
+            </a:pPr>
+            <a:r>
+              <a:rPr lang="en-US" altLang="ja-JP" dirty="0" smtClean="0">
+                <a:solidFill>
+                  <a:srgbClr val="000000"/>
+                </a:solidFill>
               </a:rPr>
-              <a:t>Collect function / Compare function application</a:t>
-            </a:r>
-            <a:endParaRPr lang="ja-JP" altLang="en-US" sz="2400" dirty="0"/>
+              <a:t>The following Parameter sheet items that can be used are as following.</a:t>
+            </a:r>
+            <a:endParaRPr lang="en-US" altLang="ja-JP" dirty="0">
+              <a:solidFill>
+                <a:srgbClr val="000000"/>
+              </a:solidFill>
+            </a:endParaRPr>
+          </a:p>
+          <a:p>
+            <a:pPr lvl="0">
+              <a:buClr>
+                <a:srgbClr val="002B62"/>
+              </a:buClr>
+              <a:buFont typeface="Wingdings" panose="05000000000000000000" pitchFamily="2" charset="2"/>
+              <a:buChar char="l"/>
+            </a:pPr>
+            <a:r>
+              <a:rPr lang="en-US" altLang="ja-JP" sz="1600" dirty="0" smtClean="0">
+                <a:solidFill>
+                  <a:srgbClr val="000000"/>
+                </a:solidFill>
+              </a:rPr>
+              <a:t>See </a:t>
+            </a:r>
+            <a:r>
+              <a:rPr lang="en-US" altLang="ja-JP" sz="1600" dirty="0" smtClean="0">
+                <a:solidFill>
+                  <a:srgbClr val="000000"/>
+                </a:solidFill>
+                <a:hlinkClick r:id="rId2"/>
+              </a:rPr>
+              <a:t>Exastro-</a:t>
+            </a:r>
+            <a:r>
+              <a:rPr lang="en-US" altLang="ja-JP" sz="1600" dirty="0" err="1" smtClean="0">
+                <a:solidFill>
+                  <a:srgbClr val="000000"/>
+                </a:solidFill>
+                <a:hlinkClick r:id="rId2"/>
+              </a:rPr>
+              <a:t>ITA_User_Instruction_Manual_Collect_Function</a:t>
+            </a:r>
+            <a:r>
+              <a:rPr lang="ja-JP" altLang="en-US" sz="1600" dirty="0">
+                <a:solidFill>
+                  <a:srgbClr val="000000"/>
+                </a:solidFill>
+              </a:rPr>
+              <a:t> </a:t>
+            </a:r>
+            <a:r>
+              <a:rPr lang="en-US" altLang="ja-JP" sz="1600" dirty="0" smtClean="0">
+                <a:solidFill>
+                  <a:srgbClr val="000000"/>
+                </a:solidFill>
+              </a:rPr>
+              <a:t>for more information.</a:t>
+            </a:r>
+            <a:endParaRPr lang="en-US" altLang="ja-JP" sz="1600" dirty="0">
+              <a:solidFill>
+                <a:srgbClr val="000000"/>
+              </a:solidFill>
+            </a:endParaRPr>
           </a:p>
         </p:txBody>
       </p:sp>
+      <p:graphicFrame>
+        <p:nvGraphicFramePr>
+          <p:cNvPr id="8" name="表 7">
+            <a:extLst>
+              <a:ext uri="{FF2B5EF4-FFF2-40B4-BE49-F238E27FC236}">
+                <a16:creationId xmlns:a16="http://schemas.microsoft.com/office/drawing/2014/main" id="{4A23AC5F-4FDB-4003-AD79-9F5B08897501}"/>
+              </a:ext>
+            </a:extLst>
+          </p:cNvPr>
+          <p:cNvGraphicFramePr>
+            <a:graphicFrameLocks noGrp="1"/>
+          </p:cNvGraphicFramePr>
+          <p:nvPr>
+            <p:extLst>
+              <p:ext uri="{D42A27DB-BD31-4B8C-83A1-F6EECF244321}">
+                <p14:modId xmlns:p14="http://schemas.microsoft.com/office/powerpoint/2010/main" val="1347662356"/>
+              </p:ext>
+            </p:extLst>
+          </p:nvPr>
+        </p:nvGraphicFramePr>
+        <p:xfrm>
+          <a:off x="237600" y="2120400"/>
+          <a:ext cx="8265600" cy="4178912"/>
+        </p:xfrm>
+        <a:graphic>
+          <a:graphicData uri="http://schemas.openxmlformats.org/drawingml/2006/table">
+            <a:tbl>
+              <a:tblPr firstRow="1" bandRow="1"/>
+              <a:tblGrid>
+                <a:gridCol w="2174100">
+                  <a:extLst>
+                    <a:ext uri="{9D8B030D-6E8A-4147-A177-3AD203B41FA5}">
+                      <a16:colId xmlns:a16="http://schemas.microsoft.com/office/drawing/2014/main" val="2071000"/>
+                    </a:ext>
+                  </a:extLst>
+                </a:gridCol>
+                <a:gridCol w="6091500">
+                  <a:extLst>
+                    <a:ext uri="{9D8B030D-6E8A-4147-A177-3AD203B41FA5}">
+                      <a16:colId xmlns:a16="http://schemas.microsoft.com/office/drawing/2014/main" val="1336170667"/>
+                    </a:ext>
+                  </a:extLst>
+                </a:gridCol>
+              </a:tblGrid>
+              <a:tr h="370800">
+                <a:tc>
+                  <a:txBody>
+                    <a:bodyPr/>
+                    <a:lstStyle/>
+                    <a:p>
+                      <a:pPr algn="ctr"/>
+                      <a:r>
+                        <a:rPr kumimoji="1" lang="en-US" altLang="ja-JP" sz="1200" b="1" dirty="0" smtClean="0">
+                          <a:solidFill>
+                            <a:schemeClr val="bg1"/>
+                          </a:solidFill>
+                          <a:latin typeface="游ゴシック" panose="020B0400000000000000" pitchFamily="50" charset="-128"/>
+                          <a:ea typeface="游ゴシック" panose="020B0400000000000000" pitchFamily="50" charset="-128"/>
+                        </a:rPr>
+                        <a:t>Item type</a:t>
+                      </a:r>
+                      <a:endParaRPr kumimoji="1" lang="ja-JP" altLang="en-US" sz="1200" b="1" dirty="0">
+                        <a:solidFill>
+                          <a:schemeClr val="bg1"/>
+                        </a:solidFill>
+                        <a:latin typeface="游ゴシック" panose="020B0400000000000000" pitchFamily="50" charset="-128"/>
+                        <a:ea typeface="游ゴシック" panose="020B0400000000000000" pitchFamily="50" charset="-128"/>
+                      </a:endParaRPr>
+                    </a:p>
+                  </a:txBody>
+                  <a:tcPr marL="62656" marR="62656" marT="31328" marB="31328" anchor="ctr">
+                    <a:lnL w="12700" cap="flat" cmpd="sng" algn="ctr">
+                      <a:solidFill>
+                        <a:schemeClr val="bg1"/>
+                      </a:solidFill>
+                      <a:prstDash val="solid"/>
+                      <a:round/>
+                      <a:headEnd type="none" w="med" len="med"/>
+                      <a:tailEnd type="none" w="med" len="med"/>
+                    </a:lnL>
+                    <a:lnR w="12700" cap="flat" cmpd="sng" algn="ctr">
+                      <a:solidFill>
+                        <a:schemeClr val="bg1"/>
+                      </a:solidFill>
+                      <a:prstDash val="solid"/>
+                      <a:round/>
+                      <a:headEnd type="none" w="med" len="med"/>
+                      <a:tailEnd type="none" w="med" len="med"/>
+                    </a:lnR>
+                    <a:lnT w="12700" cap="flat" cmpd="sng" algn="ctr">
+                      <a:solidFill>
+                        <a:srgbClr val="002060"/>
+                      </a:solidFill>
+                      <a:prstDash val="solid"/>
+                      <a:round/>
+                      <a:headEnd type="none" w="med" len="med"/>
+                      <a:tailEnd type="none" w="med" len="med"/>
+                    </a:lnT>
+                    <a:lnB w="12700" cap="flat" cmpd="sng" algn="ctr">
+                      <a:solidFill>
+                        <a:srgbClr val="002060"/>
+                      </a:solidFill>
+                      <a:prstDash val="solid"/>
+                      <a:round/>
+                      <a:headEnd type="none" w="med" len="med"/>
+                      <a:tailEnd type="none" w="med" len="med"/>
+                    </a:lnB>
+                    <a:lnTlToBr w="12700" cmpd="sng">
+                      <a:noFill/>
+                      <a:prstDash val="solid"/>
+                    </a:lnTlToBr>
+                    <a:lnBlToTr w="12700" cmpd="sng">
+                      <a:noFill/>
+                      <a:prstDash val="solid"/>
+                    </a:lnBlToTr>
+                    <a:solidFill>
+                      <a:srgbClr val="002060"/>
+                    </a:solidFill>
+                  </a:tcPr>
+                </a:tc>
+                <a:tc>
+                  <a:txBody>
+                    <a:bodyPr/>
+                    <a:lstStyle/>
+                    <a:p>
+                      <a:pPr algn="ctr"/>
+                      <a:r>
+                        <a:rPr kumimoji="1" lang="en-US" altLang="ja-JP" sz="1200" b="1" dirty="0" smtClean="0">
+                          <a:solidFill>
+                            <a:schemeClr val="bg1"/>
+                          </a:solidFill>
+                          <a:latin typeface="游ゴシック" panose="020B0400000000000000" pitchFamily="50" charset="-128"/>
+                          <a:ea typeface="游ゴシック" panose="020B0400000000000000" pitchFamily="50" charset="-128"/>
+                        </a:rPr>
+                        <a:t>Restrictions</a:t>
+                      </a:r>
+                      <a:endParaRPr kumimoji="1" lang="ja-JP" altLang="en-US" sz="1200" b="1" dirty="0">
+                        <a:solidFill>
+                          <a:schemeClr val="bg1"/>
+                        </a:solidFill>
+                        <a:latin typeface="游ゴシック" panose="020B0400000000000000" pitchFamily="50" charset="-128"/>
+                        <a:ea typeface="游ゴシック" panose="020B0400000000000000" pitchFamily="50" charset="-128"/>
+                      </a:endParaRPr>
+                    </a:p>
+                  </a:txBody>
+                  <a:tcPr marL="62656" marR="62656" marT="31328" marB="31328" anchor="ctr">
+                    <a:lnL w="12700" cap="flat" cmpd="sng" algn="ctr">
+                      <a:solidFill>
+                        <a:schemeClr val="bg1"/>
+                      </a:solidFill>
+                      <a:prstDash val="solid"/>
+                      <a:round/>
+                      <a:headEnd type="none" w="med" len="med"/>
+                      <a:tailEnd type="none" w="med" len="med"/>
+                    </a:lnL>
+                    <a:lnR w="12700" cap="flat" cmpd="sng" algn="ctr">
+                      <a:solidFill>
+                        <a:schemeClr val="bg1"/>
+                      </a:solidFill>
+                      <a:prstDash val="solid"/>
+                      <a:round/>
+                      <a:headEnd type="none" w="med" len="med"/>
+                      <a:tailEnd type="none" w="med" len="med"/>
+                    </a:lnR>
+                    <a:lnT w="12700" cap="flat" cmpd="sng" algn="ctr">
+                      <a:solidFill>
+                        <a:srgbClr val="002060"/>
+                      </a:solidFill>
+                      <a:prstDash val="solid"/>
+                      <a:round/>
+                      <a:headEnd type="none" w="med" len="med"/>
+                      <a:tailEnd type="none" w="med" len="med"/>
+                    </a:lnT>
+                    <a:lnB w="12700" cap="flat" cmpd="sng" algn="ctr">
+                      <a:solidFill>
+                        <a:srgbClr val="002060"/>
+                      </a:solidFill>
+                      <a:prstDash val="solid"/>
+                      <a:round/>
+                      <a:headEnd type="none" w="med" len="med"/>
+                      <a:tailEnd type="none" w="med" len="med"/>
+                    </a:lnB>
+                    <a:lnTlToBr w="12700" cmpd="sng">
+                      <a:noFill/>
+                      <a:prstDash val="solid"/>
+                    </a:lnTlToBr>
+                    <a:lnBlToTr w="12700" cmpd="sng">
+                      <a:noFill/>
+                      <a:prstDash val="solid"/>
+                    </a:lnBlToTr>
+                    <a:solidFill>
+                      <a:srgbClr val="002060"/>
+                    </a:solidFill>
+                  </a:tcPr>
+                </a:tc>
+                <a:extLst>
+                  <a:ext uri="{0D108BD9-81ED-4DB2-BD59-A6C34878D82A}">
+                    <a16:rowId xmlns:a16="http://schemas.microsoft.com/office/drawing/2014/main" val="3971531750"/>
+                  </a:ext>
+                </a:extLst>
+              </a:tr>
+              <a:tr h="370800">
+                <a:tc>
+                  <a:txBody>
+                    <a:bodyPr/>
+                    <a:lstStyle/>
+                    <a:p>
+                      <a:pPr algn="l"/>
+                      <a:r>
+                        <a:rPr kumimoji="1" lang="en-US" altLang="ja-JP" sz="1200" b="1" dirty="0" smtClean="0">
+                          <a:solidFill>
+                            <a:srgbClr val="002060"/>
+                          </a:solidFill>
+                          <a:latin typeface="游ゴシック" panose="020B0400000000000000" pitchFamily="50" charset="-128"/>
+                          <a:ea typeface="游ゴシック" panose="020B0400000000000000" pitchFamily="50" charset="-128"/>
+                        </a:rPr>
+                        <a:t>String</a:t>
+                      </a:r>
+                      <a:endParaRPr kumimoji="1" lang="ja-JP" altLang="en-US" sz="1200" b="1" dirty="0">
+                        <a:solidFill>
+                          <a:srgbClr val="002060"/>
+                        </a:solidFill>
+                        <a:latin typeface="游ゴシック" panose="020B0400000000000000" pitchFamily="50" charset="-128"/>
+                        <a:ea typeface="游ゴシック" panose="020B0400000000000000" pitchFamily="50" charset="-128"/>
+                      </a:endParaRPr>
+                    </a:p>
+                  </a:txBody>
+                  <a:tcPr marL="62656" marR="62656" marT="31328" marB="31328" anchor="ctr">
+                    <a:lnL w="12700" cap="flat" cmpd="sng" algn="ctr">
+                      <a:solidFill>
+                        <a:srgbClr val="002060"/>
+                      </a:solidFill>
+                      <a:prstDash val="solid"/>
+                      <a:round/>
+                      <a:headEnd type="none" w="med" len="med"/>
+                      <a:tailEnd type="none" w="med" len="med"/>
+                    </a:lnL>
+                    <a:lnR w="12700" cap="flat" cmpd="sng" algn="ctr">
+                      <a:solidFill>
+                        <a:srgbClr val="002060"/>
+                      </a:solidFill>
+                      <a:prstDash val="solid"/>
+                      <a:round/>
+                      <a:headEnd type="none" w="med" len="med"/>
+                      <a:tailEnd type="none" w="med" len="med"/>
+                    </a:lnR>
+                    <a:lnT w="12700" cap="flat" cmpd="sng" algn="ctr">
+                      <a:solidFill>
+                        <a:srgbClr val="002060"/>
+                      </a:solidFill>
+                      <a:prstDash val="solid"/>
+                      <a:round/>
+                      <a:headEnd type="none" w="med" len="med"/>
+                      <a:tailEnd type="none" w="med" len="med"/>
+                    </a:lnT>
+                    <a:lnB w="12700" cap="flat" cmpd="sng" algn="ctr">
+                      <a:solidFill>
+                        <a:srgbClr val="002060"/>
+                      </a:solidFill>
+                      <a:prstDash val="solid"/>
+                      <a:round/>
+                      <a:headEnd type="none" w="med" len="med"/>
+                      <a:tailEnd type="none" w="med" len="med"/>
+                    </a:lnB>
+                    <a:lnTlToBr w="12700" cmpd="sng">
+                      <a:noFill/>
+                      <a:prstDash val="solid"/>
+                    </a:lnTlToBr>
+                    <a:lnBlToTr w="12700" cmpd="sng">
+                      <a:noFill/>
+                      <a:prstDash val="solid"/>
+                    </a:lnBlToTr>
+                    <a:solidFill>
+                      <a:schemeClr val="bg1"/>
+                    </a:solidFill>
+                  </a:tcPr>
+                </a:tc>
+                <a:tc>
+                  <a:txBody>
+                    <a:bodyPr/>
+                    <a:lstStyle>
+                      <a:lvl1pPr marL="0" algn="l" defTabSz="914400" rtl="0" eaLnBrk="1" latinLnBrk="0" hangingPunct="1">
+                        <a:defRPr kumimoji="1" sz="1800" kern="1200">
+                          <a:solidFill>
+                            <a:schemeClr val="dk1"/>
+                          </a:solidFill>
+                          <a:latin typeface="Calibri" panose="020F0502020204030204"/>
+                        </a:defRPr>
+                      </a:lvl1pPr>
+                      <a:lvl2pPr marL="457200" algn="l" defTabSz="914400" rtl="0" eaLnBrk="1" latinLnBrk="0" hangingPunct="1">
+                        <a:defRPr kumimoji="1" sz="1800" kern="1200">
+                          <a:solidFill>
+                            <a:schemeClr val="dk1"/>
+                          </a:solidFill>
+                          <a:latin typeface="Calibri" panose="020F0502020204030204"/>
+                        </a:defRPr>
+                      </a:lvl2pPr>
+                      <a:lvl3pPr marL="914400" algn="l" defTabSz="914400" rtl="0" eaLnBrk="1" latinLnBrk="0" hangingPunct="1">
+                        <a:defRPr kumimoji="1" sz="1800" kern="1200">
+                          <a:solidFill>
+                            <a:schemeClr val="dk1"/>
+                          </a:solidFill>
+                          <a:latin typeface="Calibri" panose="020F0502020204030204"/>
+                        </a:defRPr>
+                      </a:lvl3pPr>
+                      <a:lvl4pPr marL="1371600" algn="l" defTabSz="914400" rtl="0" eaLnBrk="1" latinLnBrk="0" hangingPunct="1">
+                        <a:defRPr kumimoji="1" sz="1800" kern="1200">
+                          <a:solidFill>
+                            <a:schemeClr val="dk1"/>
+                          </a:solidFill>
+                          <a:latin typeface="Calibri" panose="020F0502020204030204"/>
+                        </a:defRPr>
+                      </a:lvl4pPr>
+                      <a:lvl5pPr marL="1828800" algn="l" defTabSz="914400" rtl="0" eaLnBrk="1" latinLnBrk="0" hangingPunct="1">
+                        <a:defRPr kumimoji="1" sz="1800" kern="1200">
+                          <a:solidFill>
+                            <a:schemeClr val="dk1"/>
+                          </a:solidFill>
+                          <a:latin typeface="Calibri" panose="020F0502020204030204"/>
+                        </a:defRPr>
+                      </a:lvl5pPr>
+                      <a:lvl6pPr marL="2286000" algn="l" defTabSz="914400" rtl="0" eaLnBrk="1" latinLnBrk="0" hangingPunct="1">
+                        <a:defRPr kumimoji="1" sz="1800" kern="1200">
+                          <a:solidFill>
+                            <a:schemeClr val="dk1"/>
+                          </a:solidFill>
+                          <a:latin typeface="Calibri" panose="020F0502020204030204"/>
+                        </a:defRPr>
+                      </a:lvl6pPr>
+                      <a:lvl7pPr marL="2743200" algn="l" defTabSz="914400" rtl="0" eaLnBrk="1" latinLnBrk="0" hangingPunct="1">
+                        <a:defRPr kumimoji="1" sz="1800" kern="1200">
+                          <a:solidFill>
+                            <a:schemeClr val="dk1"/>
+                          </a:solidFill>
+                          <a:latin typeface="Calibri" panose="020F0502020204030204"/>
+                        </a:defRPr>
+                      </a:lvl7pPr>
+                      <a:lvl8pPr marL="3200400" algn="l" defTabSz="914400" rtl="0" eaLnBrk="1" latinLnBrk="0" hangingPunct="1">
+                        <a:defRPr kumimoji="1" sz="1800" kern="1200">
+                          <a:solidFill>
+                            <a:schemeClr val="dk1"/>
+                          </a:solidFill>
+                          <a:latin typeface="Calibri" panose="020F0502020204030204"/>
+                        </a:defRPr>
+                      </a:lvl8pPr>
+                      <a:lvl9pPr marL="3657600" algn="l" defTabSz="914400" rtl="0" eaLnBrk="1" latinLnBrk="0" hangingPunct="1">
+                        <a:defRPr kumimoji="1" sz="1800" kern="1200">
+                          <a:solidFill>
+                            <a:schemeClr val="dk1"/>
+                          </a:solidFill>
+                          <a:latin typeface="Calibri" panose="020F0502020204030204"/>
+                        </a:defRPr>
+                      </a:lvl9pPr>
+                    </a:lstStyle>
+                    <a:p>
+                      <a:pPr algn="l"/>
+                      <a:r>
+                        <a:rPr kumimoji="1" lang="en-US" altLang="ja-JP" sz="1200" b="1" dirty="0" smtClean="0">
+                          <a:solidFill>
+                            <a:srgbClr val="002060"/>
+                          </a:solidFill>
+                          <a:latin typeface="游ゴシック" panose="020B0400000000000000" pitchFamily="50" charset="-128"/>
+                          <a:ea typeface="游ゴシック" panose="020B0400000000000000" pitchFamily="50" charset="-128"/>
+                        </a:rPr>
+                        <a:t>No restrictions</a:t>
+                      </a:r>
+                      <a:endParaRPr kumimoji="1" lang="ja-JP" altLang="en-US" sz="1200" b="1" dirty="0">
+                        <a:solidFill>
+                          <a:srgbClr val="002060"/>
+                        </a:solidFill>
+                        <a:latin typeface="游ゴシック" panose="020B0400000000000000" pitchFamily="50" charset="-128"/>
+                        <a:ea typeface="游ゴシック" panose="020B0400000000000000" pitchFamily="50" charset="-128"/>
+                      </a:endParaRPr>
+                    </a:p>
+                  </a:txBody>
+                  <a:tcPr marL="62656" marR="62656" marT="31328" marB="31328" anchor="ctr">
+                    <a:lnL w="12700" cap="flat" cmpd="sng" algn="ctr">
+                      <a:solidFill>
+                        <a:srgbClr val="002060"/>
+                      </a:solidFill>
+                      <a:prstDash val="solid"/>
+                      <a:round/>
+                      <a:headEnd type="none" w="med" len="med"/>
+                      <a:tailEnd type="none" w="med" len="med"/>
+                    </a:lnL>
+                    <a:lnR w="12700" cap="flat" cmpd="sng" algn="ctr">
+                      <a:solidFill>
+                        <a:srgbClr val="002060"/>
+                      </a:solidFill>
+                      <a:prstDash val="solid"/>
+                      <a:round/>
+                      <a:headEnd type="none" w="med" len="med"/>
+                      <a:tailEnd type="none" w="med" len="med"/>
+                    </a:lnR>
+                    <a:lnT w="12700" cap="flat" cmpd="sng" algn="ctr">
+                      <a:solidFill>
+                        <a:srgbClr val="002060"/>
+                      </a:solidFill>
+                      <a:prstDash val="solid"/>
+                      <a:round/>
+                      <a:headEnd type="none" w="med" len="med"/>
+                      <a:tailEnd type="none" w="med" len="med"/>
+                    </a:lnT>
+                    <a:lnB w="12700" cap="flat" cmpd="sng" algn="ctr">
+                      <a:solidFill>
+                        <a:srgbClr val="002060"/>
+                      </a:solidFill>
+                      <a:prstDash val="solid"/>
+                      <a:round/>
+                      <a:headEnd type="none" w="med" len="med"/>
+                      <a:tailEnd type="none" w="med" len="med"/>
+                    </a:lnB>
+                    <a:lnTlToBr w="12700" cmpd="sng">
+                      <a:noFill/>
+                      <a:prstDash val="solid"/>
+                    </a:lnTlToBr>
+                    <a:lnBlToTr w="12700" cmpd="sng">
+                      <a:noFill/>
+                      <a:prstDash val="solid"/>
+                    </a:lnBlToTr>
+                    <a:solidFill>
+                      <a:schemeClr val="bg1"/>
+                    </a:solidFill>
+                  </a:tcPr>
+                </a:tc>
+                <a:extLst>
+                  <a:ext uri="{0D108BD9-81ED-4DB2-BD59-A6C34878D82A}">
+                    <a16:rowId xmlns:a16="http://schemas.microsoft.com/office/drawing/2014/main" val="704012225"/>
+                  </a:ext>
+                </a:extLst>
+              </a:tr>
+              <a:tr h="370800">
+                <a:tc>
+                  <a:txBody>
+                    <a:bodyPr/>
+                    <a:lstStyle/>
+                    <a:p>
+                      <a:pPr algn="l"/>
+                      <a:r>
+                        <a:rPr kumimoji="1" lang="en-US" altLang="ja-JP" sz="1200" b="1" dirty="0" smtClean="0">
+                          <a:solidFill>
+                            <a:srgbClr val="002060"/>
+                          </a:solidFill>
+                          <a:latin typeface="游ゴシック" panose="020B0400000000000000" pitchFamily="50" charset="-128"/>
+                          <a:ea typeface="游ゴシック" panose="020B0400000000000000" pitchFamily="50" charset="-128"/>
+                        </a:rPr>
+                        <a:t>Multi-string</a:t>
+                      </a:r>
+                      <a:endParaRPr kumimoji="1" lang="ja-JP" altLang="en-US" sz="1200" b="1" dirty="0">
+                        <a:solidFill>
+                          <a:srgbClr val="002060"/>
+                        </a:solidFill>
+                        <a:latin typeface="游ゴシック" panose="020B0400000000000000" pitchFamily="50" charset="-128"/>
+                        <a:ea typeface="游ゴシック" panose="020B0400000000000000" pitchFamily="50" charset="-128"/>
+                      </a:endParaRPr>
+                    </a:p>
+                  </a:txBody>
+                  <a:tcPr marL="62656" marR="62656" marT="31328" marB="31328" anchor="ctr">
+                    <a:lnL w="12700" cap="flat" cmpd="sng" algn="ctr">
+                      <a:solidFill>
+                        <a:srgbClr val="002060"/>
+                      </a:solidFill>
+                      <a:prstDash val="solid"/>
+                      <a:round/>
+                      <a:headEnd type="none" w="med" len="med"/>
+                      <a:tailEnd type="none" w="med" len="med"/>
+                    </a:lnL>
+                    <a:lnR w="12700" cap="flat" cmpd="sng" algn="ctr">
+                      <a:solidFill>
+                        <a:srgbClr val="002060"/>
+                      </a:solidFill>
+                      <a:prstDash val="solid"/>
+                      <a:round/>
+                      <a:headEnd type="none" w="med" len="med"/>
+                      <a:tailEnd type="none" w="med" len="med"/>
+                    </a:lnR>
+                    <a:lnT w="12700" cap="flat" cmpd="sng" algn="ctr">
+                      <a:solidFill>
+                        <a:srgbClr val="002060"/>
+                      </a:solidFill>
+                      <a:prstDash val="solid"/>
+                      <a:round/>
+                      <a:headEnd type="none" w="med" len="med"/>
+                      <a:tailEnd type="none" w="med" len="med"/>
+                    </a:lnT>
+                    <a:lnB w="12700" cap="flat" cmpd="sng" algn="ctr">
+                      <a:solidFill>
+                        <a:srgbClr val="002060"/>
+                      </a:solidFill>
+                      <a:prstDash val="solid"/>
+                      <a:round/>
+                      <a:headEnd type="none" w="med" len="med"/>
+                      <a:tailEnd type="none" w="med" len="med"/>
+                    </a:lnB>
+                    <a:lnTlToBr w="12700" cmpd="sng">
+                      <a:noFill/>
+                      <a:prstDash val="solid"/>
+                    </a:lnTlToBr>
+                    <a:lnBlToTr w="12700" cmpd="sng">
+                      <a:noFill/>
+                      <a:prstDash val="solid"/>
+                    </a:lnBlToTr>
+                    <a:solidFill>
+                      <a:schemeClr val="bg1"/>
+                    </a:solidFill>
+                  </a:tcPr>
+                </a:tc>
+                <a:tc>
+                  <a:txBody>
+                    <a:bodyPr/>
+                    <a:lstStyle/>
+                    <a:p>
+                      <a:pPr algn="l"/>
+                      <a:r>
+                        <a:rPr kumimoji="1" lang="en-US" altLang="ja-JP" sz="1200" b="1" dirty="0" smtClean="0">
+                          <a:solidFill>
+                            <a:srgbClr val="002060"/>
+                          </a:solidFill>
+                          <a:latin typeface="游ゴシック" panose="020B0400000000000000" pitchFamily="50" charset="-128"/>
+                          <a:ea typeface="游ゴシック" panose="020B0400000000000000" pitchFamily="50" charset="-128"/>
+                        </a:rPr>
+                        <a:t>No restrictions</a:t>
+                      </a:r>
+                      <a:endParaRPr kumimoji="1" lang="ja-JP" altLang="en-US" sz="1200" b="1" dirty="0">
+                        <a:solidFill>
+                          <a:srgbClr val="002060"/>
+                        </a:solidFill>
+                        <a:latin typeface="游ゴシック" panose="020B0400000000000000" pitchFamily="50" charset="-128"/>
+                        <a:ea typeface="游ゴシック" panose="020B0400000000000000" pitchFamily="50" charset="-128"/>
+                      </a:endParaRPr>
+                    </a:p>
+                  </a:txBody>
+                  <a:tcPr marL="62656" marR="62656" marT="31328" marB="31328" anchor="ctr">
+                    <a:lnL w="12700" cap="flat" cmpd="sng" algn="ctr">
+                      <a:solidFill>
+                        <a:srgbClr val="002060"/>
+                      </a:solidFill>
+                      <a:prstDash val="solid"/>
+                      <a:round/>
+                      <a:headEnd type="none" w="med" len="med"/>
+                      <a:tailEnd type="none" w="med" len="med"/>
+                    </a:lnL>
+                    <a:lnR w="12700" cap="flat" cmpd="sng" algn="ctr">
+                      <a:solidFill>
+                        <a:srgbClr val="002060"/>
+                      </a:solidFill>
+                      <a:prstDash val="solid"/>
+                      <a:round/>
+                      <a:headEnd type="none" w="med" len="med"/>
+                      <a:tailEnd type="none" w="med" len="med"/>
+                    </a:lnR>
+                    <a:lnT w="12700" cap="flat" cmpd="sng" algn="ctr">
+                      <a:solidFill>
+                        <a:srgbClr val="002060"/>
+                      </a:solidFill>
+                      <a:prstDash val="solid"/>
+                      <a:round/>
+                      <a:headEnd type="none" w="med" len="med"/>
+                      <a:tailEnd type="none" w="med" len="med"/>
+                    </a:lnT>
+                    <a:lnB w="12700" cap="flat" cmpd="sng" algn="ctr">
+                      <a:solidFill>
+                        <a:srgbClr val="002060"/>
+                      </a:solidFill>
+                      <a:prstDash val="solid"/>
+                      <a:round/>
+                      <a:headEnd type="none" w="med" len="med"/>
+                      <a:tailEnd type="none" w="med" len="med"/>
+                    </a:lnB>
+                    <a:lnTlToBr w="12700" cmpd="sng">
+                      <a:noFill/>
+                      <a:prstDash val="solid"/>
+                    </a:lnTlToBr>
+                    <a:lnBlToTr w="12700" cmpd="sng">
+                      <a:noFill/>
+                      <a:prstDash val="solid"/>
+                    </a:lnBlToTr>
+                    <a:solidFill>
+                      <a:schemeClr val="bg1"/>
+                    </a:solidFill>
+                  </a:tcPr>
+                </a:tc>
+                <a:extLst>
+                  <a:ext uri="{0D108BD9-81ED-4DB2-BD59-A6C34878D82A}">
+                    <a16:rowId xmlns:a16="http://schemas.microsoft.com/office/drawing/2014/main" val="1746524027"/>
+                  </a:ext>
+                </a:extLst>
+              </a:tr>
+              <a:tr h="370800">
+                <a:tc>
+                  <a:txBody>
+                    <a:bodyPr/>
+                    <a:lstStyle/>
+                    <a:p>
+                      <a:pPr algn="l"/>
+                      <a:r>
+                        <a:rPr kumimoji="1" lang="en-US" altLang="ja-JP" sz="1200" b="1" dirty="0" smtClean="0">
+                          <a:solidFill>
+                            <a:srgbClr val="002060"/>
+                          </a:solidFill>
+                          <a:latin typeface="游ゴシック" panose="020B0400000000000000" pitchFamily="50" charset="-128"/>
+                          <a:ea typeface="游ゴシック" panose="020B0400000000000000" pitchFamily="50" charset="-128"/>
+                        </a:rPr>
+                        <a:t>Integer</a:t>
+                      </a:r>
+                      <a:endParaRPr kumimoji="1" lang="ja-JP" altLang="en-US" sz="1200" b="1" dirty="0">
+                        <a:solidFill>
+                          <a:srgbClr val="002060"/>
+                        </a:solidFill>
+                        <a:latin typeface="游ゴシック" panose="020B0400000000000000" pitchFamily="50" charset="-128"/>
+                        <a:ea typeface="游ゴシック" panose="020B0400000000000000" pitchFamily="50" charset="-128"/>
+                      </a:endParaRPr>
+                    </a:p>
+                  </a:txBody>
+                  <a:tcPr marL="62656" marR="62656" marT="31328" marB="31328" anchor="ctr">
+                    <a:lnL w="12700" cap="flat" cmpd="sng" algn="ctr">
+                      <a:solidFill>
+                        <a:srgbClr val="002060"/>
+                      </a:solidFill>
+                      <a:prstDash val="solid"/>
+                      <a:round/>
+                      <a:headEnd type="none" w="med" len="med"/>
+                      <a:tailEnd type="none" w="med" len="med"/>
+                    </a:lnL>
+                    <a:lnR w="12700" cap="flat" cmpd="sng" algn="ctr">
+                      <a:solidFill>
+                        <a:srgbClr val="002060"/>
+                      </a:solidFill>
+                      <a:prstDash val="solid"/>
+                      <a:round/>
+                      <a:headEnd type="none" w="med" len="med"/>
+                      <a:tailEnd type="none" w="med" len="med"/>
+                    </a:lnR>
+                    <a:lnT w="12700" cap="flat" cmpd="sng" algn="ctr">
+                      <a:solidFill>
+                        <a:srgbClr val="002060"/>
+                      </a:solidFill>
+                      <a:prstDash val="solid"/>
+                      <a:round/>
+                      <a:headEnd type="none" w="med" len="med"/>
+                      <a:tailEnd type="none" w="med" len="med"/>
+                    </a:lnT>
+                    <a:lnB w="12700" cap="flat" cmpd="sng" algn="ctr">
+                      <a:solidFill>
+                        <a:srgbClr val="002060"/>
+                      </a:solidFill>
+                      <a:prstDash val="solid"/>
+                      <a:round/>
+                      <a:headEnd type="none" w="med" len="med"/>
+                      <a:tailEnd type="none" w="med" len="med"/>
+                    </a:lnB>
+                    <a:lnTlToBr w="12700" cmpd="sng">
+                      <a:noFill/>
+                      <a:prstDash val="solid"/>
+                    </a:lnTlToBr>
+                    <a:lnBlToTr w="12700" cmpd="sng">
+                      <a:noFill/>
+                      <a:prstDash val="solid"/>
+                    </a:lnBlToTr>
+                    <a:solidFill>
+                      <a:schemeClr val="bg1"/>
+                    </a:solidFill>
+                  </a:tcPr>
+                </a:tc>
+                <a:tc>
+                  <a:txBody>
+                    <a:bodyPr/>
+                    <a:lstStyle/>
+                    <a:p>
+                      <a:pPr algn="l"/>
+                      <a:r>
+                        <a:rPr kumimoji="1" lang="en-US" altLang="ja-JP" sz="1200" b="1" dirty="0" smtClean="0">
+                          <a:solidFill>
+                            <a:srgbClr val="002060"/>
+                          </a:solidFill>
+                          <a:latin typeface="游ゴシック" panose="020B0400000000000000" pitchFamily="50" charset="-128"/>
+                          <a:ea typeface="游ゴシック" panose="020B0400000000000000" pitchFamily="50" charset="-128"/>
+                        </a:rPr>
+                        <a:t>No restrictions</a:t>
+                      </a:r>
+                      <a:endParaRPr kumimoji="1" lang="ja-JP" altLang="en-US" sz="1200" b="1" dirty="0">
+                        <a:solidFill>
+                          <a:srgbClr val="002060"/>
+                        </a:solidFill>
+                        <a:latin typeface="游ゴシック" panose="020B0400000000000000" pitchFamily="50" charset="-128"/>
+                        <a:ea typeface="游ゴシック" panose="020B0400000000000000" pitchFamily="50" charset="-128"/>
+                      </a:endParaRPr>
+                    </a:p>
+                  </a:txBody>
+                  <a:tcPr marL="62656" marR="62656" marT="31328" marB="31328" anchor="ctr">
+                    <a:lnL w="12700" cap="flat" cmpd="sng" algn="ctr">
+                      <a:solidFill>
+                        <a:srgbClr val="002060"/>
+                      </a:solidFill>
+                      <a:prstDash val="solid"/>
+                      <a:round/>
+                      <a:headEnd type="none" w="med" len="med"/>
+                      <a:tailEnd type="none" w="med" len="med"/>
+                    </a:lnL>
+                    <a:lnR w="12700" cap="flat" cmpd="sng" algn="ctr">
+                      <a:solidFill>
+                        <a:srgbClr val="002060"/>
+                      </a:solidFill>
+                      <a:prstDash val="solid"/>
+                      <a:round/>
+                      <a:headEnd type="none" w="med" len="med"/>
+                      <a:tailEnd type="none" w="med" len="med"/>
+                    </a:lnR>
+                    <a:lnT w="12700" cap="flat" cmpd="sng" algn="ctr">
+                      <a:solidFill>
+                        <a:srgbClr val="002060"/>
+                      </a:solidFill>
+                      <a:prstDash val="solid"/>
+                      <a:round/>
+                      <a:headEnd type="none" w="med" len="med"/>
+                      <a:tailEnd type="none" w="med" len="med"/>
+                    </a:lnT>
+                    <a:lnB w="12700" cap="flat" cmpd="sng" algn="ctr">
+                      <a:solidFill>
+                        <a:srgbClr val="002060"/>
+                      </a:solidFill>
+                      <a:prstDash val="solid"/>
+                      <a:round/>
+                      <a:headEnd type="none" w="med" len="med"/>
+                      <a:tailEnd type="none" w="med" len="med"/>
+                    </a:lnB>
+                    <a:lnTlToBr w="12700" cmpd="sng">
+                      <a:noFill/>
+                      <a:prstDash val="solid"/>
+                    </a:lnTlToBr>
+                    <a:lnBlToTr w="12700" cmpd="sng">
+                      <a:noFill/>
+                      <a:prstDash val="solid"/>
+                    </a:lnBlToTr>
+                    <a:solidFill>
+                      <a:schemeClr val="bg1"/>
+                    </a:solidFill>
+                  </a:tcPr>
+                </a:tc>
+                <a:extLst>
+                  <a:ext uri="{0D108BD9-81ED-4DB2-BD59-A6C34878D82A}">
+                    <a16:rowId xmlns:a16="http://schemas.microsoft.com/office/drawing/2014/main" val="1178808068"/>
+                  </a:ext>
+                </a:extLst>
+              </a:tr>
+              <a:tr h="370800">
+                <a:tc>
+                  <a:txBody>
+                    <a:bodyPr/>
+                    <a:lstStyle/>
+                    <a:p>
+                      <a:pPr algn="l"/>
+                      <a:r>
+                        <a:rPr kumimoji="1" lang="en-US" altLang="ja-JP" sz="1200" b="1" dirty="0" smtClean="0">
+                          <a:solidFill>
+                            <a:srgbClr val="002060"/>
+                          </a:solidFill>
+                          <a:latin typeface="游ゴシック" panose="020B0400000000000000" pitchFamily="50" charset="-128"/>
+                          <a:ea typeface="游ゴシック" panose="020B0400000000000000" pitchFamily="50" charset="-128"/>
+                        </a:rPr>
+                        <a:t>Decimal</a:t>
+                      </a:r>
+                      <a:endParaRPr kumimoji="1" lang="ja-JP" altLang="en-US" sz="1200" b="1" dirty="0">
+                        <a:solidFill>
+                          <a:srgbClr val="002060"/>
+                        </a:solidFill>
+                        <a:latin typeface="游ゴシック" panose="020B0400000000000000" pitchFamily="50" charset="-128"/>
+                        <a:ea typeface="游ゴシック" panose="020B0400000000000000" pitchFamily="50" charset="-128"/>
+                      </a:endParaRPr>
+                    </a:p>
+                  </a:txBody>
+                  <a:tcPr marL="62656" marR="62656" marT="31328" marB="31328" anchor="ctr">
+                    <a:lnL w="12700" cap="flat" cmpd="sng" algn="ctr">
+                      <a:solidFill>
+                        <a:srgbClr val="002060"/>
+                      </a:solidFill>
+                      <a:prstDash val="solid"/>
+                      <a:round/>
+                      <a:headEnd type="none" w="med" len="med"/>
+                      <a:tailEnd type="none" w="med" len="med"/>
+                    </a:lnL>
+                    <a:lnR w="12700" cap="flat" cmpd="sng" algn="ctr">
+                      <a:solidFill>
+                        <a:srgbClr val="002060"/>
+                      </a:solidFill>
+                      <a:prstDash val="solid"/>
+                      <a:round/>
+                      <a:headEnd type="none" w="med" len="med"/>
+                      <a:tailEnd type="none" w="med" len="med"/>
+                    </a:lnR>
+                    <a:lnT w="12700" cap="flat" cmpd="sng" algn="ctr">
+                      <a:solidFill>
+                        <a:srgbClr val="002060"/>
+                      </a:solidFill>
+                      <a:prstDash val="solid"/>
+                      <a:round/>
+                      <a:headEnd type="none" w="med" len="med"/>
+                      <a:tailEnd type="none" w="med" len="med"/>
+                    </a:lnT>
+                    <a:lnB w="12700" cap="flat" cmpd="sng" algn="ctr">
+                      <a:solidFill>
+                        <a:srgbClr val="002060"/>
+                      </a:solidFill>
+                      <a:prstDash val="solid"/>
+                      <a:round/>
+                      <a:headEnd type="none" w="med" len="med"/>
+                      <a:tailEnd type="none" w="med" len="med"/>
+                    </a:lnB>
+                    <a:lnTlToBr w="12700" cmpd="sng">
+                      <a:noFill/>
+                      <a:prstDash val="solid"/>
+                    </a:lnTlToBr>
+                    <a:lnBlToTr w="12700" cmpd="sng">
+                      <a:noFill/>
+                      <a:prstDash val="solid"/>
+                    </a:lnBlToTr>
+                    <a:solidFill>
+                      <a:schemeClr val="bg1"/>
+                    </a:solidFill>
+                  </a:tcPr>
+                </a:tc>
+                <a:tc>
+                  <a:txBody>
+                    <a:bodyPr/>
+                    <a:lstStyle/>
+                    <a:p>
+                      <a:pPr algn="l"/>
+                      <a:r>
+                        <a:rPr kumimoji="1" lang="en-US" altLang="ja-JP" sz="1200" b="1" dirty="0" smtClean="0">
+                          <a:solidFill>
+                            <a:srgbClr val="002060"/>
+                          </a:solidFill>
+                          <a:latin typeface="游ゴシック" panose="020B0400000000000000" pitchFamily="50" charset="-128"/>
+                          <a:ea typeface="游ゴシック" panose="020B0400000000000000" pitchFamily="50" charset="-128"/>
+                        </a:rPr>
+                        <a:t>No restrictions</a:t>
+                      </a:r>
+                      <a:endParaRPr kumimoji="1" lang="ja-JP" altLang="en-US" sz="1200" b="1" dirty="0">
+                        <a:solidFill>
+                          <a:srgbClr val="002060"/>
+                        </a:solidFill>
+                        <a:latin typeface="游ゴシック" panose="020B0400000000000000" pitchFamily="50" charset="-128"/>
+                        <a:ea typeface="游ゴシック" panose="020B0400000000000000" pitchFamily="50" charset="-128"/>
+                      </a:endParaRPr>
+                    </a:p>
+                  </a:txBody>
+                  <a:tcPr marL="62656" marR="62656" marT="31328" marB="31328" anchor="ctr">
+                    <a:lnL w="12700" cap="flat" cmpd="sng" algn="ctr">
+                      <a:solidFill>
+                        <a:srgbClr val="002060"/>
+                      </a:solidFill>
+                      <a:prstDash val="solid"/>
+                      <a:round/>
+                      <a:headEnd type="none" w="med" len="med"/>
+                      <a:tailEnd type="none" w="med" len="med"/>
+                    </a:lnL>
+                    <a:lnR w="12700" cap="flat" cmpd="sng" algn="ctr">
+                      <a:solidFill>
+                        <a:srgbClr val="002060"/>
+                      </a:solidFill>
+                      <a:prstDash val="solid"/>
+                      <a:round/>
+                      <a:headEnd type="none" w="med" len="med"/>
+                      <a:tailEnd type="none" w="med" len="med"/>
+                    </a:lnR>
+                    <a:lnT w="12700" cap="flat" cmpd="sng" algn="ctr">
+                      <a:solidFill>
+                        <a:srgbClr val="002060"/>
+                      </a:solidFill>
+                      <a:prstDash val="solid"/>
+                      <a:round/>
+                      <a:headEnd type="none" w="med" len="med"/>
+                      <a:tailEnd type="none" w="med" len="med"/>
+                    </a:lnT>
+                    <a:lnB w="12700" cap="flat" cmpd="sng" algn="ctr">
+                      <a:solidFill>
+                        <a:srgbClr val="002060"/>
+                      </a:solidFill>
+                      <a:prstDash val="solid"/>
+                      <a:round/>
+                      <a:headEnd type="none" w="med" len="med"/>
+                      <a:tailEnd type="none" w="med" len="med"/>
+                    </a:lnB>
+                    <a:lnTlToBr w="12700" cmpd="sng">
+                      <a:noFill/>
+                      <a:prstDash val="solid"/>
+                    </a:lnTlToBr>
+                    <a:lnBlToTr w="12700" cmpd="sng">
+                      <a:noFill/>
+                      <a:prstDash val="solid"/>
+                    </a:lnBlToTr>
+                    <a:solidFill>
+                      <a:schemeClr val="bg1"/>
+                    </a:solidFill>
+                  </a:tcPr>
+                </a:tc>
+                <a:extLst>
+                  <a:ext uri="{0D108BD9-81ED-4DB2-BD59-A6C34878D82A}">
+                    <a16:rowId xmlns:a16="http://schemas.microsoft.com/office/drawing/2014/main" val="3411482910"/>
+                  </a:ext>
+                </a:extLst>
+              </a:tr>
+              <a:tr h="457200">
+                <a:tc>
+                  <a:txBody>
+                    <a:bodyPr/>
+                    <a:lstStyle/>
+                    <a:p>
+                      <a:pPr algn="l"/>
+                      <a:r>
+                        <a:rPr kumimoji="1" lang="en-US" altLang="ja-JP" sz="1200" b="1" dirty="0" smtClean="0">
+                          <a:solidFill>
+                            <a:srgbClr val="002060"/>
+                          </a:solidFill>
+                          <a:latin typeface="游ゴシック" panose="020B0400000000000000" pitchFamily="50" charset="-128"/>
+                          <a:ea typeface="游ゴシック" panose="020B0400000000000000" pitchFamily="50" charset="-128"/>
+                        </a:rPr>
+                        <a:t>Pulldown</a:t>
+                      </a:r>
+                      <a:r>
+                        <a:rPr kumimoji="1" lang="en-US" altLang="ja-JP" sz="1200" b="1" baseline="0" dirty="0" smtClean="0">
+                          <a:solidFill>
+                            <a:srgbClr val="002060"/>
+                          </a:solidFill>
+                          <a:latin typeface="游ゴシック" panose="020B0400000000000000" pitchFamily="50" charset="-128"/>
+                          <a:ea typeface="游ゴシック" panose="020B0400000000000000" pitchFamily="50" charset="-128"/>
+                        </a:rPr>
+                        <a:t> selection</a:t>
+                      </a:r>
+                      <a:endParaRPr kumimoji="1" lang="ja-JP" altLang="en-US" sz="1200" b="1" dirty="0">
+                        <a:solidFill>
+                          <a:srgbClr val="002060"/>
+                        </a:solidFill>
+                        <a:latin typeface="游ゴシック" panose="020B0400000000000000" pitchFamily="50" charset="-128"/>
+                        <a:ea typeface="游ゴシック" panose="020B0400000000000000" pitchFamily="50" charset="-128"/>
+                      </a:endParaRPr>
+                    </a:p>
+                  </a:txBody>
+                  <a:tcPr marL="62656" marR="62656" marT="31328" marB="31328" anchor="ctr">
+                    <a:lnL w="12700" cap="flat" cmpd="sng" algn="ctr">
+                      <a:solidFill>
+                        <a:srgbClr val="002060"/>
+                      </a:solidFill>
+                      <a:prstDash val="solid"/>
+                      <a:round/>
+                      <a:headEnd type="none" w="med" len="med"/>
+                      <a:tailEnd type="none" w="med" len="med"/>
+                    </a:lnL>
+                    <a:lnR w="12700" cap="flat" cmpd="sng" algn="ctr">
+                      <a:solidFill>
+                        <a:srgbClr val="002060"/>
+                      </a:solidFill>
+                      <a:prstDash val="solid"/>
+                      <a:round/>
+                      <a:headEnd type="none" w="med" len="med"/>
+                      <a:tailEnd type="none" w="med" len="med"/>
+                    </a:lnR>
+                    <a:lnT w="12700" cap="flat" cmpd="sng" algn="ctr">
+                      <a:solidFill>
+                        <a:srgbClr val="002060"/>
+                      </a:solidFill>
+                      <a:prstDash val="solid"/>
+                      <a:round/>
+                      <a:headEnd type="none" w="med" len="med"/>
+                      <a:tailEnd type="none" w="med" len="med"/>
+                    </a:lnT>
+                    <a:lnB w="12700" cap="flat" cmpd="sng" algn="ctr">
+                      <a:solidFill>
+                        <a:srgbClr val="002060"/>
+                      </a:solidFill>
+                      <a:prstDash val="solid"/>
+                      <a:round/>
+                      <a:headEnd type="none" w="med" len="med"/>
+                      <a:tailEnd type="none" w="med" len="med"/>
+                    </a:lnB>
+                    <a:lnTlToBr w="12700" cmpd="sng">
+                      <a:noFill/>
+                      <a:prstDash val="solid"/>
+                    </a:lnTlToBr>
+                    <a:lnBlToTr w="12700" cmpd="sng">
+                      <a:noFill/>
+                      <a:prstDash val="solid"/>
+                    </a:lnBlToTr>
+                    <a:solidFill>
+                      <a:schemeClr val="bg1"/>
+                    </a:solidFill>
+                  </a:tcPr>
+                </a:tc>
+                <a:tc>
+                  <a:txBody>
+                    <a:bodyPr/>
+                    <a:lstStyle/>
+                    <a:p>
+                      <a:pPr algn="l"/>
+                      <a:r>
+                        <a:rPr kumimoji="1" lang="en-US" altLang="ja-JP" sz="1200" b="1" dirty="0" smtClean="0">
+                          <a:solidFill>
+                            <a:srgbClr val="002060"/>
+                          </a:solidFill>
+                          <a:latin typeface="游ゴシック" panose="020B0400000000000000" pitchFamily="50" charset="-128"/>
+                          <a:ea typeface="游ゴシック" panose="020B0400000000000000" pitchFamily="50" charset="-128"/>
+                        </a:rPr>
+                        <a:t>Compares the selected list IDs.</a:t>
+                      </a:r>
+                      <a:endParaRPr kumimoji="1" lang="ja-JP" altLang="en-US" sz="1200" b="1" dirty="0">
+                        <a:solidFill>
+                          <a:srgbClr val="002060"/>
+                        </a:solidFill>
+                        <a:latin typeface="游ゴシック" panose="020B0400000000000000" pitchFamily="50" charset="-128"/>
+                        <a:ea typeface="游ゴシック" panose="020B0400000000000000" pitchFamily="50" charset="-128"/>
+                      </a:endParaRPr>
+                    </a:p>
+                    <a:p>
+                      <a:pPr algn="l"/>
+                      <a:r>
+                        <a:rPr kumimoji="1" lang="en-US" altLang="ja-JP" sz="1200" b="1" dirty="0" smtClean="0">
+                          <a:solidFill>
+                            <a:srgbClr val="002060"/>
+                          </a:solidFill>
+                          <a:latin typeface="游ゴシック" panose="020B0400000000000000" pitchFamily="50" charset="-128"/>
+                          <a:ea typeface="游ゴシック" panose="020B0400000000000000" pitchFamily="50" charset="-128"/>
+                        </a:rPr>
+                        <a:t>If the user does not have access permission, the ID conversion will fail</a:t>
+                      </a:r>
+                      <a:r>
+                        <a:rPr kumimoji="1" lang="en-US" altLang="ja-JP" sz="1200" b="1" baseline="0" dirty="0" smtClean="0">
+                          <a:solidFill>
+                            <a:srgbClr val="002060"/>
+                          </a:solidFill>
+                          <a:latin typeface="游ゴシック" panose="020B0400000000000000" pitchFamily="50" charset="-128"/>
+                          <a:ea typeface="游ゴシック" panose="020B0400000000000000" pitchFamily="50" charset="-128"/>
+                        </a:rPr>
+                        <a:t> and display (X)</a:t>
+                      </a:r>
+                      <a:endParaRPr kumimoji="1" lang="en-US" altLang="ja-JP" sz="1200" b="1" dirty="0">
+                        <a:solidFill>
+                          <a:srgbClr val="002060"/>
+                        </a:solidFill>
+                        <a:latin typeface="游ゴシック" panose="020B0400000000000000" pitchFamily="50" charset="-128"/>
+                        <a:ea typeface="游ゴシック" panose="020B0400000000000000" pitchFamily="50" charset="-128"/>
+                      </a:endParaRPr>
+                    </a:p>
+                    <a:p>
+                      <a:pPr algn="l"/>
+                      <a:r>
+                        <a:rPr kumimoji="1" lang="en-US" altLang="ja-JP" sz="1200" b="1" dirty="0" smtClean="0">
+                          <a:solidFill>
+                            <a:srgbClr val="002060"/>
+                          </a:solidFill>
+                          <a:latin typeface="游ゴシック" panose="020B0400000000000000" pitchFamily="50" charset="-128"/>
+                          <a:ea typeface="游ゴシック" panose="020B0400000000000000" pitchFamily="50" charset="-128"/>
+                        </a:rPr>
+                        <a:t>※For more information regarding access permissions, see </a:t>
+                      </a:r>
+                      <a:r>
+                        <a:rPr kumimoji="1" lang="en-US" altLang="ja-JP" sz="1200" b="1" dirty="0" smtClean="0">
+                          <a:solidFill>
+                            <a:srgbClr val="002060"/>
+                          </a:solidFill>
+                          <a:latin typeface="游ゴシック" panose="020B0400000000000000" pitchFamily="50" charset="-128"/>
+                          <a:ea typeface="游ゴシック" panose="020B0400000000000000" pitchFamily="50" charset="-128"/>
+                          <a:hlinkClick r:id="rId3"/>
+                        </a:rPr>
+                        <a:t>"Exastro-ITA_User_Instruction_Manual_Role-based_access_control_for_data_records".</a:t>
+                      </a:r>
+                      <a:endParaRPr kumimoji="1" lang="ja-JP" altLang="en-US" sz="1200" b="1" dirty="0">
+                        <a:solidFill>
+                          <a:srgbClr val="002060"/>
+                        </a:solidFill>
+                        <a:latin typeface="游ゴシック" panose="020B0400000000000000" pitchFamily="50" charset="-128"/>
+                        <a:ea typeface="游ゴシック" panose="020B0400000000000000" pitchFamily="50" charset="-128"/>
+                      </a:endParaRPr>
+                    </a:p>
+                  </a:txBody>
+                  <a:tcPr marL="62656" marR="62656" marT="31328" marB="31328" anchor="ctr">
+                    <a:lnL w="12700" cap="flat" cmpd="sng" algn="ctr">
+                      <a:solidFill>
+                        <a:srgbClr val="002060"/>
+                      </a:solidFill>
+                      <a:prstDash val="solid"/>
+                      <a:round/>
+                      <a:headEnd type="none" w="med" len="med"/>
+                      <a:tailEnd type="none" w="med" len="med"/>
+                    </a:lnL>
+                    <a:lnR w="12700" cap="flat" cmpd="sng" algn="ctr">
+                      <a:solidFill>
+                        <a:srgbClr val="002060"/>
+                      </a:solidFill>
+                      <a:prstDash val="solid"/>
+                      <a:round/>
+                      <a:headEnd type="none" w="med" len="med"/>
+                      <a:tailEnd type="none" w="med" len="med"/>
+                    </a:lnR>
+                    <a:lnT w="12700" cap="flat" cmpd="sng" algn="ctr">
+                      <a:solidFill>
+                        <a:srgbClr val="002060"/>
+                      </a:solidFill>
+                      <a:prstDash val="solid"/>
+                      <a:round/>
+                      <a:headEnd type="none" w="med" len="med"/>
+                      <a:tailEnd type="none" w="med" len="med"/>
+                    </a:lnT>
+                    <a:lnB w="12700" cap="flat" cmpd="sng" algn="ctr">
+                      <a:solidFill>
+                        <a:srgbClr val="002060"/>
+                      </a:solidFill>
+                      <a:prstDash val="solid"/>
+                      <a:round/>
+                      <a:headEnd type="none" w="med" len="med"/>
+                      <a:tailEnd type="none" w="med" len="med"/>
+                    </a:lnB>
+                    <a:lnTlToBr w="12700" cmpd="sng">
+                      <a:noFill/>
+                      <a:prstDash val="solid"/>
+                    </a:lnTlToBr>
+                    <a:lnBlToTr w="12700" cmpd="sng">
+                      <a:noFill/>
+                      <a:prstDash val="solid"/>
+                    </a:lnBlToTr>
+                    <a:solidFill>
+                      <a:schemeClr val="bg1"/>
+                    </a:solidFill>
+                  </a:tcPr>
+                </a:tc>
+                <a:extLst>
+                  <a:ext uri="{0D108BD9-81ED-4DB2-BD59-A6C34878D82A}">
+                    <a16:rowId xmlns:a16="http://schemas.microsoft.com/office/drawing/2014/main" val="1694410245"/>
+                  </a:ext>
+                </a:extLst>
+              </a:tr>
+              <a:tr h="146197">
+                <a:tc>
+                  <a:txBody>
+                    <a:bodyPr/>
+                    <a:lstStyle/>
+                    <a:p>
+                      <a:pPr algn="l"/>
+                      <a:r>
+                        <a:rPr kumimoji="1" lang="en-US" altLang="ja-JP" sz="1200" b="1" dirty="0" smtClean="0">
+                          <a:solidFill>
+                            <a:srgbClr val="002060"/>
+                          </a:solidFill>
+                          <a:latin typeface="游ゴシック" panose="020B0400000000000000" pitchFamily="50" charset="-128"/>
+                          <a:ea typeface="游ゴシック" panose="020B0400000000000000" pitchFamily="50" charset="-128"/>
+                        </a:rPr>
+                        <a:t>File upload</a:t>
+                      </a:r>
+                      <a:endParaRPr kumimoji="1" lang="ja-JP" altLang="en-US" sz="1200" b="1" dirty="0">
+                        <a:solidFill>
+                          <a:srgbClr val="002060"/>
+                        </a:solidFill>
+                        <a:latin typeface="游ゴシック" panose="020B0400000000000000" pitchFamily="50" charset="-128"/>
+                        <a:ea typeface="游ゴシック" panose="020B0400000000000000" pitchFamily="50" charset="-128"/>
+                      </a:endParaRPr>
+                    </a:p>
+                  </a:txBody>
+                  <a:tcPr marL="62656" marR="62656" marT="31328" marB="31328" anchor="ctr">
+                    <a:lnL w="12700" cap="flat" cmpd="sng" algn="ctr">
+                      <a:solidFill>
+                        <a:srgbClr val="002060"/>
+                      </a:solidFill>
+                      <a:prstDash val="solid"/>
+                      <a:round/>
+                      <a:headEnd type="none" w="med" len="med"/>
+                      <a:tailEnd type="none" w="med" len="med"/>
+                    </a:lnL>
+                    <a:lnR w="12700" cap="flat" cmpd="sng" algn="ctr">
+                      <a:solidFill>
+                        <a:srgbClr val="002060"/>
+                      </a:solidFill>
+                      <a:prstDash val="solid"/>
+                      <a:round/>
+                      <a:headEnd type="none" w="med" len="med"/>
+                      <a:tailEnd type="none" w="med" len="med"/>
+                    </a:lnR>
+                    <a:lnT w="12700" cap="flat" cmpd="sng" algn="ctr">
+                      <a:solidFill>
+                        <a:srgbClr val="002060"/>
+                      </a:solidFill>
+                      <a:prstDash val="solid"/>
+                      <a:round/>
+                      <a:headEnd type="none" w="med" len="med"/>
+                      <a:tailEnd type="none" w="med" len="med"/>
+                    </a:lnT>
+                    <a:lnB w="12700" cap="flat" cmpd="sng" algn="ctr">
+                      <a:solidFill>
+                        <a:srgbClr val="002060"/>
+                      </a:solidFill>
+                      <a:prstDash val="solid"/>
+                      <a:round/>
+                      <a:headEnd type="none" w="med" len="med"/>
+                      <a:tailEnd type="none" w="med" len="med"/>
+                    </a:lnB>
+                    <a:lnTlToBr w="12700" cmpd="sng">
+                      <a:noFill/>
+                      <a:prstDash val="solid"/>
+                    </a:lnTlToBr>
+                    <a:lnBlToTr w="12700" cmpd="sng">
+                      <a:noFill/>
+                      <a:prstDash val="solid"/>
+                    </a:lnBlToTr>
+                    <a:solidFill>
+                      <a:schemeClr val="bg1"/>
+                    </a:solidFill>
+                  </a:tcPr>
+                </a:tc>
+                <a:tc>
+                  <a:txBody>
+                    <a:bodyPr/>
+                    <a:lstStyle/>
+                    <a:p>
+                      <a:pPr algn="l"/>
+                      <a:r>
+                        <a:rPr kumimoji="1" lang="en-US" altLang="ja-JP" sz="1200" b="1" dirty="0" smtClean="0">
+                          <a:solidFill>
+                            <a:srgbClr val="002060"/>
+                          </a:solidFill>
+                          <a:latin typeface="游ゴシック" panose="020B0400000000000000" pitchFamily="50" charset="-128"/>
+                          <a:ea typeface="游ゴシック" panose="020B0400000000000000" pitchFamily="50" charset="-128"/>
+                        </a:rPr>
+                        <a:t>When comparing uploaded</a:t>
+                      </a:r>
+                      <a:r>
+                        <a:rPr kumimoji="1" lang="en-US" altLang="ja-JP" sz="1200" b="1" baseline="0" dirty="0" smtClean="0">
+                          <a:solidFill>
+                            <a:srgbClr val="002060"/>
+                          </a:solidFill>
+                          <a:latin typeface="游ゴシック" panose="020B0400000000000000" pitchFamily="50" charset="-128"/>
+                          <a:ea typeface="游ゴシック" panose="020B0400000000000000" pitchFamily="50" charset="-128"/>
+                        </a:rPr>
+                        <a:t> files with each other, the File name and the contents of the files will be compared.</a:t>
+                      </a:r>
+                      <a:r>
+                        <a:rPr kumimoji="1" lang="en-US" altLang="ja-JP" sz="1200" b="1" dirty="0">
+                          <a:solidFill>
+                            <a:srgbClr val="002060"/>
+                          </a:solidFill>
+                          <a:latin typeface="游ゴシック" panose="020B0400000000000000" pitchFamily="50" charset="-128"/>
+                          <a:ea typeface="游ゴシック" panose="020B0400000000000000" pitchFamily="50" charset="-128"/>
+                        </a:rPr>
+                        <a:t/>
+                      </a:r>
+                      <a:br>
+                        <a:rPr kumimoji="1" lang="en-US" altLang="ja-JP" sz="1200" b="1" dirty="0">
+                          <a:solidFill>
+                            <a:srgbClr val="002060"/>
+                          </a:solidFill>
+                          <a:latin typeface="游ゴシック" panose="020B0400000000000000" pitchFamily="50" charset="-128"/>
+                          <a:ea typeface="游ゴシック" panose="020B0400000000000000" pitchFamily="50" charset="-128"/>
+                        </a:rPr>
+                      </a:br>
+                      <a:r>
+                        <a:rPr kumimoji="1" lang="en-US" altLang="ja-JP" sz="1200" b="1" dirty="0" smtClean="0">
+                          <a:solidFill>
+                            <a:srgbClr val="002060"/>
+                          </a:solidFill>
+                          <a:latin typeface="游ゴシック" panose="020B0400000000000000" pitchFamily="50" charset="-128"/>
+                          <a:ea typeface="游ゴシック" panose="020B0400000000000000" pitchFamily="50" charset="-128"/>
+                        </a:rPr>
+                        <a:t>※</a:t>
+                      </a:r>
+                      <a:br>
+                        <a:rPr kumimoji="1" lang="en-US" altLang="ja-JP" sz="1200" b="1" dirty="0" smtClean="0">
+                          <a:solidFill>
+                            <a:srgbClr val="002060"/>
+                          </a:solidFill>
+                          <a:latin typeface="游ゴシック" panose="020B0400000000000000" pitchFamily="50" charset="-128"/>
+                          <a:ea typeface="游ゴシック" panose="020B0400000000000000" pitchFamily="50" charset="-128"/>
+                        </a:rPr>
+                      </a:br>
+                      <a:r>
+                        <a:rPr kumimoji="1" lang="en-US" altLang="ja-JP" sz="1200" b="1" dirty="0" smtClean="0">
+                          <a:solidFill>
+                            <a:srgbClr val="002060"/>
+                          </a:solidFill>
+                          <a:latin typeface="游ゴシック" panose="020B0400000000000000" pitchFamily="50" charset="-128"/>
+                          <a:ea typeface="游ゴシック" panose="020B0400000000000000" pitchFamily="50" charset="-128"/>
+                        </a:rPr>
+                        <a:t>The comparison results will only display whether there are differences or not. It will not display where and what differences are present.</a:t>
+                      </a:r>
+                      <a:endParaRPr kumimoji="1" lang="ja-JP" altLang="en-US" sz="1200" b="1" dirty="0">
+                        <a:solidFill>
+                          <a:srgbClr val="002060"/>
+                        </a:solidFill>
+                        <a:latin typeface="游ゴシック" panose="020B0400000000000000" pitchFamily="50" charset="-128"/>
+                        <a:ea typeface="游ゴシック" panose="020B0400000000000000" pitchFamily="50" charset="-128"/>
+                      </a:endParaRPr>
+                    </a:p>
+                  </a:txBody>
+                  <a:tcPr marL="62656" marR="62656" marT="31328" marB="31328" anchor="ctr">
+                    <a:lnL w="12700" cap="flat" cmpd="sng" algn="ctr">
+                      <a:solidFill>
+                        <a:srgbClr val="002060"/>
+                      </a:solidFill>
+                      <a:prstDash val="solid"/>
+                      <a:round/>
+                      <a:headEnd type="none" w="med" len="med"/>
+                      <a:tailEnd type="none" w="med" len="med"/>
+                    </a:lnL>
+                    <a:lnR w="12700" cap="flat" cmpd="sng" algn="ctr">
+                      <a:solidFill>
+                        <a:srgbClr val="002060"/>
+                      </a:solidFill>
+                      <a:prstDash val="solid"/>
+                      <a:round/>
+                      <a:headEnd type="none" w="med" len="med"/>
+                      <a:tailEnd type="none" w="med" len="med"/>
+                    </a:lnR>
+                    <a:lnT w="12700" cap="flat" cmpd="sng" algn="ctr">
+                      <a:solidFill>
+                        <a:srgbClr val="002060"/>
+                      </a:solidFill>
+                      <a:prstDash val="solid"/>
+                      <a:round/>
+                      <a:headEnd type="none" w="med" len="med"/>
+                      <a:tailEnd type="none" w="med" len="med"/>
+                    </a:lnT>
+                    <a:lnB w="12700" cap="flat" cmpd="sng" algn="ctr">
+                      <a:solidFill>
+                        <a:srgbClr val="002060"/>
+                      </a:solidFill>
+                      <a:prstDash val="solid"/>
+                      <a:round/>
+                      <a:headEnd type="none" w="med" len="med"/>
+                      <a:tailEnd type="none" w="med" len="med"/>
+                    </a:lnB>
+                    <a:lnTlToBr w="12700" cmpd="sng">
+                      <a:noFill/>
+                      <a:prstDash val="solid"/>
+                    </a:lnTlToBr>
+                    <a:lnBlToTr w="12700" cmpd="sng">
+                      <a:noFill/>
+                      <a:prstDash val="solid"/>
+                    </a:lnBlToTr>
+                    <a:solidFill>
+                      <a:schemeClr val="bg1"/>
+                    </a:solidFill>
+                  </a:tcPr>
+                </a:tc>
+                <a:extLst>
+                  <a:ext uri="{0D108BD9-81ED-4DB2-BD59-A6C34878D82A}">
+                    <a16:rowId xmlns:a16="http://schemas.microsoft.com/office/drawing/2014/main" val="2722647687"/>
+                  </a:ext>
+                </a:extLst>
+              </a:tr>
+              <a:tr h="370800">
+                <a:tc>
+                  <a:txBody>
+                    <a:bodyPr/>
+                    <a:lstStyle/>
+                    <a:p>
+                      <a:pPr algn="l"/>
+                      <a:r>
+                        <a:rPr kumimoji="1" lang="en-US" altLang="ja-JP" sz="1200" b="1" dirty="0" smtClean="0">
+                          <a:solidFill>
+                            <a:srgbClr val="002060"/>
+                          </a:solidFill>
+                          <a:latin typeface="游ゴシック" panose="020B0400000000000000" pitchFamily="50" charset="-128"/>
+                          <a:ea typeface="游ゴシック" panose="020B0400000000000000" pitchFamily="50" charset="-128"/>
+                        </a:rPr>
+                        <a:t>Link</a:t>
+                      </a:r>
+                      <a:endParaRPr kumimoji="1" lang="ja-JP" altLang="en-US" sz="1200" b="1" dirty="0">
+                        <a:solidFill>
+                          <a:srgbClr val="002060"/>
+                        </a:solidFill>
+                        <a:latin typeface="游ゴシック" panose="020B0400000000000000" pitchFamily="50" charset="-128"/>
+                        <a:ea typeface="游ゴシック" panose="020B0400000000000000" pitchFamily="50" charset="-128"/>
+                      </a:endParaRPr>
+                    </a:p>
+                  </a:txBody>
+                  <a:tcPr marL="62656" marR="62656" marT="31328" marB="31328" anchor="ctr">
+                    <a:lnL w="12700" cap="flat" cmpd="sng" algn="ctr">
+                      <a:solidFill>
+                        <a:srgbClr val="002060"/>
+                      </a:solidFill>
+                      <a:prstDash val="solid"/>
+                      <a:round/>
+                      <a:headEnd type="none" w="med" len="med"/>
+                      <a:tailEnd type="none" w="med" len="med"/>
+                    </a:lnL>
+                    <a:lnR w="12700" cap="flat" cmpd="sng" algn="ctr">
+                      <a:solidFill>
+                        <a:srgbClr val="002060"/>
+                      </a:solidFill>
+                      <a:prstDash val="solid"/>
+                      <a:round/>
+                      <a:headEnd type="none" w="med" len="med"/>
+                      <a:tailEnd type="none" w="med" len="med"/>
+                    </a:lnR>
+                    <a:lnT w="12700" cap="flat" cmpd="sng" algn="ctr">
+                      <a:solidFill>
+                        <a:srgbClr val="002060"/>
+                      </a:solidFill>
+                      <a:prstDash val="solid"/>
+                      <a:round/>
+                      <a:headEnd type="none" w="med" len="med"/>
+                      <a:tailEnd type="none" w="med" len="med"/>
+                    </a:lnT>
+                    <a:lnB w="12700" cap="flat" cmpd="sng" algn="ctr">
+                      <a:solidFill>
+                        <a:srgbClr val="002060"/>
+                      </a:solidFill>
+                      <a:prstDash val="solid"/>
+                      <a:round/>
+                      <a:headEnd type="none" w="med" len="med"/>
+                      <a:tailEnd type="none" w="med" len="med"/>
+                    </a:lnB>
+                    <a:lnTlToBr w="12700" cmpd="sng">
+                      <a:noFill/>
+                      <a:prstDash val="solid"/>
+                    </a:lnTlToBr>
+                    <a:lnBlToTr w="12700" cmpd="sng">
+                      <a:noFill/>
+                      <a:prstDash val="solid"/>
+                    </a:lnBlToTr>
+                    <a:solidFill>
+                      <a:schemeClr val="bg1"/>
+                    </a:solidFill>
+                  </a:tcPr>
+                </a:tc>
+                <a:tc>
+                  <a:txBody>
+                    <a:bodyPr/>
+                    <a:lstStyle>
+                      <a:lvl1pPr marL="0" algn="l" defTabSz="914400" rtl="0" eaLnBrk="1" latinLnBrk="0" hangingPunct="1">
+                        <a:defRPr kumimoji="1" sz="1800" kern="1200">
+                          <a:solidFill>
+                            <a:schemeClr val="dk1"/>
+                          </a:solidFill>
+                          <a:latin typeface="Calibri" panose="020F0502020204030204"/>
+                        </a:defRPr>
+                      </a:lvl1pPr>
+                      <a:lvl2pPr marL="457200" algn="l" defTabSz="914400" rtl="0" eaLnBrk="1" latinLnBrk="0" hangingPunct="1">
+                        <a:defRPr kumimoji="1" sz="1800" kern="1200">
+                          <a:solidFill>
+                            <a:schemeClr val="dk1"/>
+                          </a:solidFill>
+                          <a:latin typeface="Calibri" panose="020F0502020204030204"/>
+                        </a:defRPr>
+                      </a:lvl2pPr>
+                      <a:lvl3pPr marL="914400" algn="l" defTabSz="914400" rtl="0" eaLnBrk="1" latinLnBrk="0" hangingPunct="1">
+                        <a:defRPr kumimoji="1" sz="1800" kern="1200">
+                          <a:solidFill>
+                            <a:schemeClr val="dk1"/>
+                          </a:solidFill>
+                          <a:latin typeface="Calibri" panose="020F0502020204030204"/>
+                        </a:defRPr>
+                      </a:lvl3pPr>
+                      <a:lvl4pPr marL="1371600" algn="l" defTabSz="914400" rtl="0" eaLnBrk="1" latinLnBrk="0" hangingPunct="1">
+                        <a:defRPr kumimoji="1" sz="1800" kern="1200">
+                          <a:solidFill>
+                            <a:schemeClr val="dk1"/>
+                          </a:solidFill>
+                          <a:latin typeface="Calibri" panose="020F0502020204030204"/>
+                        </a:defRPr>
+                      </a:lvl4pPr>
+                      <a:lvl5pPr marL="1828800" algn="l" defTabSz="914400" rtl="0" eaLnBrk="1" latinLnBrk="0" hangingPunct="1">
+                        <a:defRPr kumimoji="1" sz="1800" kern="1200">
+                          <a:solidFill>
+                            <a:schemeClr val="dk1"/>
+                          </a:solidFill>
+                          <a:latin typeface="Calibri" panose="020F0502020204030204"/>
+                        </a:defRPr>
+                      </a:lvl5pPr>
+                      <a:lvl6pPr marL="2286000" algn="l" defTabSz="914400" rtl="0" eaLnBrk="1" latinLnBrk="0" hangingPunct="1">
+                        <a:defRPr kumimoji="1" sz="1800" kern="1200">
+                          <a:solidFill>
+                            <a:schemeClr val="dk1"/>
+                          </a:solidFill>
+                          <a:latin typeface="Calibri" panose="020F0502020204030204"/>
+                        </a:defRPr>
+                      </a:lvl6pPr>
+                      <a:lvl7pPr marL="2743200" algn="l" defTabSz="914400" rtl="0" eaLnBrk="1" latinLnBrk="0" hangingPunct="1">
+                        <a:defRPr kumimoji="1" sz="1800" kern="1200">
+                          <a:solidFill>
+                            <a:schemeClr val="dk1"/>
+                          </a:solidFill>
+                          <a:latin typeface="Calibri" panose="020F0502020204030204"/>
+                        </a:defRPr>
+                      </a:lvl7pPr>
+                      <a:lvl8pPr marL="3200400" algn="l" defTabSz="914400" rtl="0" eaLnBrk="1" latinLnBrk="0" hangingPunct="1">
+                        <a:defRPr kumimoji="1" sz="1800" kern="1200">
+                          <a:solidFill>
+                            <a:schemeClr val="dk1"/>
+                          </a:solidFill>
+                          <a:latin typeface="Calibri" panose="020F0502020204030204"/>
+                        </a:defRPr>
+                      </a:lvl8pPr>
+                      <a:lvl9pPr marL="3657600" algn="l" defTabSz="914400" rtl="0" eaLnBrk="1" latinLnBrk="0" hangingPunct="1">
+                        <a:defRPr kumimoji="1" sz="1800" kern="1200">
+                          <a:solidFill>
+                            <a:schemeClr val="dk1"/>
+                          </a:solidFill>
+                          <a:latin typeface="Calibri" panose="020F0502020204030204"/>
+                        </a:defRPr>
+                      </a:lvl9pPr>
+                    </a:lstStyle>
+                    <a:p>
+                      <a:pPr algn="l"/>
+                      <a:r>
+                        <a:rPr kumimoji="1" lang="en-US" altLang="ja-JP" sz="1200" b="1" dirty="0" smtClean="0">
+                          <a:solidFill>
+                            <a:srgbClr val="002060"/>
+                          </a:solidFill>
+                          <a:latin typeface="游ゴシック" panose="020B0400000000000000" pitchFamily="50" charset="-128"/>
+                          <a:ea typeface="游ゴシック" panose="020B0400000000000000" pitchFamily="50" charset="-128"/>
+                        </a:rPr>
+                        <a:t>No restrictions</a:t>
+                      </a:r>
+                      <a:endParaRPr kumimoji="1" lang="ja-JP" altLang="en-US" sz="1200" b="1" dirty="0">
+                        <a:solidFill>
+                          <a:srgbClr val="002060"/>
+                        </a:solidFill>
+                        <a:latin typeface="游ゴシック" panose="020B0400000000000000" pitchFamily="50" charset="-128"/>
+                        <a:ea typeface="游ゴシック" panose="020B0400000000000000" pitchFamily="50" charset="-128"/>
+                      </a:endParaRPr>
+                    </a:p>
+                  </a:txBody>
+                  <a:tcPr marL="62656" marR="62656" marT="31328" marB="31328" anchor="ctr">
+                    <a:lnL w="12700" cap="flat" cmpd="sng" algn="ctr">
+                      <a:solidFill>
+                        <a:srgbClr val="002060"/>
+                      </a:solidFill>
+                      <a:prstDash val="solid"/>
+                      <a:round/>
+                      <a:headEnd type="none" w="med" len="med"/>
+                      <a:tailEnd type="none" w="med" len="med"/>
+                    </a:lnL>
+                    <a:lnR w="12700" cap="flat" cmpd="sng" algn="ctr">
+                      <a:solidFill>
+                        <a:srgbClr val="002060"/>
+                      </a:solidFill>
+                      <a:prstDash val="solid"/>
+                      <a:round/>
+                      <a:headEnd type="none" w="med" len="med"/>
+                      <a:tailEnd type="none" w="med" len="med"/>
+                    </a:lnR>
+                    <a:lnT w="12700" cap="flat" cmpd="sng" algn="ctr">
+                      <a:solidFill>
+                        <a:srgbClr val="002060"/>
+                      </a:solidFill>
+                      <a:prstDash val="solid"/>
+                      <a:round/>
+                      <a:headEnd type="none" w="med" len="med"/>
+                      <a:tailEnd type="none" w="med" len="med"/>
+                    </a:lnT>
+                    <a:lnB w="12700" cap="flat" cmpd="sng" algn="ctr">
+                      <a:solidFill>
+                        <a:srgbClr val="002060"/>
+                      </a:solidFill>
+                      <a:prstDash val="solid"/>
+                      <a:round/>
+                      <a:headEnd type="none" w="med" len="med"/>
+                      <a:tailEnd type="none" w="med" len="med"/>
+                    </a:lnB>
+                    <a:lnTlToBr w="12700" cmpd="sng">
+                      <a:noFill/>
+                      <a:prstDash val="solid"/>
+                    </a:lnTlToBr>
+                    <a:lnBlToTr w="12700" cmpd="sng">
+                      <a:noFill/>
+                      <a:prstDash val="solid"/>
+                    </a:lnBlToTr>
+                    <a:solidFill>
+                      <a:schemeClr val="bg1"/>
+                    </a:solidFill>
+                  </a:tcPr>
+                </a:tc>
+                <a:extLst>
+                  <a:ext uri="{0D108BD9-81ED-4DB2-BD59-A6C34878D82A}">
+                    <a16:rowId xmlns:a16="http://schemas.microsoft.com/office/drawing/2014/main" val="2723094360"/>
+                  </a:ext>
+                </a:extLst>
+              </a:tr>
+            </a:tbl>
+          </a:graphicData>
+        </a:graphic>
+      </p:graphicFrame>
     </p:spTree>
     <p:extLst>
       <p:ext uri="{BB962C8B-B14F-4D97-AF65-F5344CB8AC3E}">
-        <p14:creationId xmlns:p14="http://schemas.microsoft.com/office/powerpoint/2010/main" val="2681200597"/>
+        <p14:creationId xmlns:p14="http://schemas.microsoft.com/office/powerpoint/2010/main" val="573684573"/>
       </p:ext>
     </p:extLst>
   </p:cSld>
   <p:clrMapOvr>
     <a:masterClrMapping/>
   </p:clrMapOvr>
-  <p:timing>
-    <p:tnLst>
-      <p:par>
-        <p:cTn id="1" dur="indefinite" restart="never" nodeType="tmRoot"/>
-      </p:par>
-    </p:tnLst>
-  </p:timing>
 </p:sld>
 </file>
 
@@ -28805,7 +30354,42 @@
               <a:rPr altLang="en-US" dirty="0">
                 <a:hlinkClick r:id="rId5" action="ppaction://hlinksldjump"/>
               </a:rPr>
-              <a:t>　Work flow</a:t>
+              <a:t>　Work </a:t>
+            </a:r>
+            <a:r>
+              <a:rPr altLang="en-US" dirty="0" smtClean="0">
+                <a:hlinkClick r:id="rId5" action="ppaction://hlinksldjump"/>
+              </a:rPr>
+              <a:t>flow</a:t>
+            </a:r>
+            <a:endParaRPr lang="en-US" altLang="en-US" dirty="0" smtClean="0"/>
+          </a:p>
+          <a:p>
+            <a:pPr lvl="1">
+              <a:defRPr sz="1600">
+                <a:latin typeface="+mn-ea"/>
+              </a:defRPr>
+            </a:pPr>
+            <a:r>
+              <a:rPr lang="en-US" altLang="ja-JP" sz="1600" dirty="0" smtClean="0">
+                <a:latin typeface="+mn-ea"/>
+                <a:hlinkClick r:id="rId11" action="ppaction://hlinksldjump"/>
+              </a:rPr>
+              <a:t>3.4</a:t>
+            </a:r>
+            <a:r>
+              <a:rPr lang="ja-JP" altLang="en-US" sz="1600" dirty="0" smtClean="0">
+                <a:latin typeface="+mn-ea"/>
+                <a:hlinkClick r:id="rId11" action="ppaction://hlinksldjump"/>
+              </a:rPr>
+              <a:t>　</a:t>
+            </a:r>
+            <a:r>
+              <a:rPr lang="en-US" altLang="ja-JP" sz="1600" dirty="0" smtClean="0">
+                <a:latin typeface="+mn-ea"/>
+                <a:hlinkClick r:id="rId11" action="ppaction://hlinksldjump"/>
+              </a:rPr>
+              <a:t>Items for comparing parameter sheets</a:t>
             </a:r>
             <a:endParaRPr lang="en-US" altLang="ja-JP" sz="1600" dirty="0" smtClean="0">
               <a:latin typeface="+mn-ea"/>
@@ -28849,7 +30433,7 @@
             <a:pPr lvl="1">
               <a:defRPr sz="1600">
                 <a:latin typeface="+mn-ea"/>
-                <a:hlinkClick r:id="rId11" action="ppaction://hlinksldjump"/>
+                <a:hlinkClick r:id="rId12" action="ppaction://hlinksldjump"/>
               </a:defRPr>
             </a:pPr>
             <a:r>
@@ -28934,6 +30518,81 @@
             <p:ph type="title"/>
           </p:nvPr>
         </p:nvSpPr>
+        <p:spPr>
+          <a:xfrm>
+            <a:off x="179388" y="3106628"/>
+            <a:ext cx="8784000" cy="405683"/>
+          </a:xfrm>
+        </p:spPr>
+        <p:txBody>
+          <a:bodyPr/>
+          <a:lstStyle/>
+          <a:p>
+            <a:r>
+              <a:rPr lang="en-US" altLang="ja-JP" sz="2400" dirty="0"/>
+              <a:t>4.</a:t>
+            </a:r>
+            <a:r>
+              <a:rPr lang="ja-JP" altLang="en-US" sz="2400" dirty="0"/>
+              <a:t>　</a:t>
+            </a:r>
+            <a:r>
+              <a:rPr lang="en-US" altLang="ja-JP" sz="2400" dirty="0" smtClean="0">
+                <a:latin typeface="+mn-ea"/>
+              </a:rPr>
+              <a:t>Collect function / Compare function application</a:t>
+            </a:r>
+            <a:endParaRPr lang="ja-JP" altLang="en-US" sz="2400" dirty="0"/>
+          </a:p>
+        </p:txBody>
+      </p:sp>
+    </p:spTree>
+    <p:extLst>
+      <p:ext uri="{BB962C8B-B14F-4D97-AF65-F5344CB8AC3E}">
+        <p14:creationId xmlns:p14="http://schemas.microsoft.com/office/powerpoint/2010/main" val="2681200597"/>
+      </p:ext>
+    </p:extLst>
+  </p:cSld>
+  <p:clrMapOvr>
+    <a:masterClrMapping/>
+  </p:clrMapOvr>
+  <p:timing>
+    <p:tnLst>
+      <p:par>
+        <p:cTn id="1" dur="indefinite" restart="never" nodeType="tmRoot"/>
+      </p:par>
+    </p:tnLst>
+  </p:timing>
+</p:sld>
+</file>
+
+<file path=ppt/slides/slide21.xml><?xml version="1.0" encoding="utf-8"?>
+<p:sld xmlns:a="http://schemas.openxmlformats.org/drawingml/2006/main" xmlns:r="http://schemas.openxmlformats.org/officeDocument/2006/relationships" xmlns:p="http://schemas.openxmlformats.org/presentationml/2006/main">
+  <p:cSld>
+    <p:spTree>
+      <p:nvGrpSpPr>
+        <p:cNvPr id="1" name=""/>
+        <p:cNvGrpSpPr/>
+        <p:nvPr/>
+      </p:nvGrpSpPr>
+      <p:grpSpPr>
+        <a:xfrm>
+          <a:off x="0" y="0"/>
+          <a:ext cx="0" cy="0"/>
+          <a:chOff x="0" y="0"/>
+          <a:chExt cx="0" cy="0"/>
+        </a:xfrm>
+      </p:grpSpPr>
+      <p:sp>
+        <p:nvSpPr>
+          <p:cNvPr id="2" name="タイトル 1"/>
+          <p:cNvSpPr>
+            <a:spLocks noGrp="1"/>
+          </p:cNvSpPr>
+          <p:nvPr>
+            <p:ph type="title"/>
+          </p:nvPr>
+        </p:nvSpPr>
         <p:spPr/>
         <p:txBody>
           <a:bodyPr/>
@@ -29092,7 +30751,7 @@
 </p:sld>
 </file>
 
-<file path=ppt/slides/slide21.xml><?xml version="1.0" encoding="utf-8"?>
+<file path=ppt/slides/slide22.xml><?xml version="1.0" encoding="utf-8"?>
 <p:sld xmlns:a="http://schemas.openxmlformats.org/drawingml/2006/main" xmlns:r="http://schemas.openxmlformats.org/officeDocument/2006/relationships" xmlns:p="http://schemas.openxmlformats.org/presentationml/2006/main">
   <p:cSld>
     <p:spTree>
